--- a/Présentation.pptx
+++ b/Présentation.pptx
@@ -141,7 +141,7 @@
   </p:defaultTextStyle>
   <p:extLst>
     <p:ext uri="{EFAFB233-063F-42B5-8137-9DF3F51BA10A}">
-      <p15:sldGuideLst xmlns:p15="http://schemas.microsoft.com/office/powerpoint/2012/main" xmlns="">
+      <p15:sldGuideLst xmlns="" xmlns:p15="http://schemas.microsoft.com/office/powerpoint/2012/main">
         <p15:guide id="1" orient="horz" pos="2160">
           <p15:clr>
             <a:srgbClr val="A4A3A4"/>
@@ -4117,8 +4117,8 @@
         </p:nvSpPr>
         <p:spPr>
           <a:xfrm>
-            <a:off x="1763688" y="908720"/>
-            <a:ext cx="5688632" cy="647700"/>
+            <a:off x="971600" y="908720"/>
+            <a:ext cx="8151316" cy="647700"/>
           </a:xfrm>
         </p:spPr>
         <p:txBody>
@@ -4134,7 +4134,7 @@
               <a:defRPr/>
             </a:pPr>
             <a:r>
-              <a:rPr lang="fr-FR" sz="4800" b="1" dirty="0">
+              <a:rPr lang="fr-FR" sz="4800" b="1" dirty="0" smtClean="0">
                 <a:solidFill>
                   <a:schemeClr val="tx1">
                     <a:lumMod val="65000"/>
@@ -4142,19 +4142,16 @@
                   </a:schemeClr>
                 </a:solidFill>
               </a:rPr>
-              <a:t>Edward-</a:t>
-            </a:r>
-            <a:r>
-              <a:rPr lang="fr-FR" sz="4800" b="1" dirty="0" err="1">
-                <a:solidFill>
-                  <a:schemeClr val="tx1">
-                    <a:lumMod val="65000"/>
-                    <a:lumOff val="35000"/>
-                  </a:schemeClr>
-                </a:solidFill>
-              </a:rPr>
-              <a:t>Feigenbaum</a:t>
-            </a:r>
+              <a:t>Navigateur Spatio-Temporel</a:t>
+            </a:r>
+          </a:p>
+          <a:p>
+            <a:pPr algn="l" fontAlgn="auto">
+              <a:spcAft>
+                <a:spcPts val="0"/>
+              </a:spcAft>
+              <a:defRPr/>
+            </a:pPr>
             <a:endParaRPr lang="fr-FR" sz="4800" dirty="0">
               <a:solidFill>
                 <a:schemeClr val="tx1">
@@ -4174,8 +4171,8 @@
         </p:nvSpPr>
         <p:spPr>
           <a:xfrm>
-            <a:off x="2099271" y="2420888"/>
-            <a:ext cx="5137025" cy="738664"/>
+            <a:off x="1835697" y="2330296"/>
+            <a:ext cx="5256583" cy="523220"/>
           </a:xfrm>
           <a:prstGeom prst="rect">
             <a:avLst/>
@@ -4291,48 +4288,15 @@
                   <a:srgbClr val="7F7F7F"/>
                 </a:solidFill>
               </a:rPr>
-              <a:t>Cette présentation  consiste  a  exposé  ce que a apporté  a l’informatique  un chercheur  en informatique   nommé   </a:t>
-            </a:r>
-          </a:p>
-          <a:p>
-            <a:pPr algn="ctr"/>
+              <a:t>Cette présentation  consiste  a  </a:t>
+            </a:r>
             <a:r>
               <a:rPr lang="fr-FR" sz="1400" b="1" dirty="0" smtClean="0">
                 <a:solidFill>
                   <a:srgbClr val="7F7F7F"/>
                 </a:solidFill>
               </a:rPr>
-              <a:t> «</a:t>
-            </a:r>
-            <a:r>
-              <a:rPr lang="fr-FR" sz="1400" b="1" dirty="0" smtClean="0">
-                <a:solidFill>
-                  <a:schemeClr val="tx1">
-                    <a:lumMod val="65000"/>
-                    <a:lumOff val="35000"/>
-                  </a:schemeClr>
-                </a:solidFill>
-              </a:rPr>
-              <a:t>Edward-</a:t>
-            </a:r>
-            <a:r>
-              <a:rPr lang="fr-FR" sz="1400" b="1" dirty="0" err="1" smtClean="0">
-                <a:solidFill>
-                  <a:schemeClr val="tx1">
-                    <a:lumMod val="65000"/>
-                    <a:lumOff val="35000"/>
-                  </a:schemeClr>
-                </a:solidFill>
-              </a:rPr>
-              <a:t>Feigenbaum</a:t>
-            </a:r>
-            <a:r>
-              <a:rPr lang="fr-FR" sz="1400" b="1" dirty="0" smtClean="0">
-                <a:solidFill>
-                  <a:srgbClr val="7F7F7F"/>
-                </a:solidFill>
-              </a:rPr>
-              <a:t>  »</a:t>
+              <a:t>présenter un projet qui consiste a 	réaliser un navigateur  spatio-temporel </a:t>
             </a:r>
             <a:endParaRPr lang="fr-FR" sz="1400" dirty="0">
               <a:solidFill>
@@ -4352,7 +4316,7 @@
         </p:nvSpPr>
         <p:spPr bwMode="auto">
           <a:xfrm>
-            <a:off x="4932363" y="6370638"/>
+            <a:off x="5133975" y="6381328"/>
             <a:ext cx="4046537" cy="474662"/>
           </a:xfrm>
           <a:prstGeom prst="rect">
@@ -4485,7 +4449,7 @@
           <a:p>
             <a:pPr algn="r"/>
             <a:r>
-              <a:rPr lang="fr-FR" sz="900" b="1" dirty="0">
+              <a:rPr lang="fr-FR" sz="1100" b="1" dirty="0">
                 <a:solidFill>
                   <a:srgbClr val="FFC000"/>
                 </a:solidFill>
@@ -4496,7 +4460,7 @@
           <a:p>
             <a:pPr algn="r"/>
             <a:r>
-              <a:rPr lang="fr-FR" sz="900" dirty="0" err="1" smtClean="0">
+              <a:rPr lang="fr-FR" sz="1100" dirty="0" err="1" smtClean="0">
                 <a:solidFill>
                   <a:schemeClr val="bg1"/>
                 </a:solidFill>
@@ -4504,7 +4468,7 @@
               <a:t>Lansari</a:t>
             </a:r>
             <a:r>
-              <a:rPr lang="fr-FR" sz="900" dirty="0" smtClean="0">
+              <a:rPr lang="fr-FR" sz="1100" dirty="0" smtClean="0">
                 <a:solidFill>
                   <a:schemeClr val="bg1"/>
                 </a:solidFill>
@@ -4512,7 +4476,7 @@
               <a:t> </a:t>
             </a:r>
             <a:r>
-              <a:rPr lang="fr-FR" sz="900" dirty="0" err="1">
+              <a:rPr lang="fr-FR" sz="1100" dirty="0" err="1">
                 <a:solidFill>
                   <a:schemeClr val="bg1"/>
                 </a:solidFill>
@@ -4520,26 +4484,61 @@
               <a:t>Achraf</a:t>
             </a:r>
             <a:r>
-              <a:rPr lang="fr-FR" sz="900" dirty="0">
+              <a:rPr lang="fr-FR" sz="1100" dirty="0">
                 <a:solidFill>
                   <a:schemeClr val="bg1"/>
                 </a:solidFill>
               </a:rPr>
-              <a:t> : </a:t>
-            </a:r>
-            <a:r>
-              <a:rPr lang="fr-FR" sz="900" dirty="0" smtClean="0">
+              <a:t> </a:t>
+            </a:r>
+            <a:r>
+              <a:rPr lang="fr-FR" sz="1100" dirty="0" smtClean="0">
                 <a:solidFill>
                   <a:schemeClr val="bg1"/>
                 </a:solidFill>
               </a:rPr>
-              <a:t>Master 1 informatique et sciences humaines </a:t>
-            </a:r>
-            <a:endParaRPr lang="fr-FR" sz="900" dirty="0">
+              <a:t>:achraflansari@gmail.com</a:t>
+            </a:r>
+            <a:endParaRPr lang="fr-FR" sz="1100" dirty="0">
               <a:solidFill>
                 <a:schemeClr val="bg1"/>
               </a:solidFill>
             </a:endParaRPr>
+          </a:p>
+          <a:p>
+            <a:pPr algn="r"/>
+            <a:r>
+              <a:rPr lang="fr-FR" sz="1100" dirty="0" err="1" smtClean="0">
+                <a:solidFill>
+                  <a:schemeClr val="bg1"/>
+                </a:solidFill>
+              </a:rPr>
+              <a:t>Hmessar</a:t>
+            </a:r>
+            <a:r>
+              <a:rPr lang="fr-FR" sz="1100" dirty="0" smtClean="0">
+                <a:solidFill>
+                  <a:schemeClr val="bg1"/>
+                </a:solidFill>
+              </a:rPr>
+              <a:t> </a:t>
+            </a:r>
+            <a:r>
+              <a:rPr lang="fr-FR" sz="1100" dirty="0" err="1" smtClean="0">
+                <a:solidFill>
+                  <a:schemeClr val="bg1"/>
+                </a:solidFill>
+              </a:rPr>
+              <a:t>abdelali</a:t>
+            </a:r>
+            <a:r>
+              <a:rPr lang="fr-FR" sz="1100" dirty="0" smtClean="0">
+                <a:solidFill>
+                  <a:schemeClr val="bg1"/>
+                </a:solidFill>
+              </a:rPr>
+              <a:t> : ali.hmessar@gmail.com</a:t>
+            </a:r>
           </a:p>
         </p:txBody>
       </p:sp>
@@ -4881,20 +4880,6 @@
               <a:buFont typeface="Arial" panose="020B0604020202020204" pitchFamily="34" charset="0"/>
               <a:buNone/>
             </a:pPr>
-            <a:r>
-              <a:rPr lang="fr-FR" b="1" dirty="0" smtClean="0">
-                <a:solidFill>
-                  <a:srgbClr val="C00000"/>
-                </a:solidFill>
-              </a:rPr>
-              <a:t>Intelligence Artificiel </a:t>
-            </a:r>
-          </a:p>
-          <a:p>
-            <a:pPr>
-              <a:buFont typeface="Arial" panose="020B0604020202020204" pitchFamily="34" charset="0"/>
-              <a:buNone/>
-            </a:pPr>
             <a:endParaRPr lang="fr-FR" dirty="0">
               <a:solidFill>
                 <a:srgbClr val="C00000"/>
@@ -4944,6 +4929,168 @@
           </a:extLst>
         </p:spPr>
       </p:pic>
+      <p:sp>
+        <p:nvSpPr>
+          <p:cNvPr id="11" name="1 Título"/>
+          <p:cNvSpPr txBox="1">
+            <a:spLocks/>
+          </p:cNvSpPr>
+          <p:nvPr/>
+        </p:nvSpPr>
+        <p:spPr bwMode="auto">
+          <a:xfrm>
+            <a:off x="446489" y="980430"/>
+            <a:ext cx="7845425" cy="1728788"/>
+          </a:xfrm>
+          <a:prstGeom prst="rect">
+            <a:avLst/>
+          </a:prstGeom>
+          <a:noFill/>
+          <a:ln>
+            <a:noFill/>
+          </a:ln>
+          <a:extLst>
+            <a:ext uri="{909E8E84-426E-40DD-AFC4-6F175D3DCCD1}">
+              <a14:hiddenFill xmlns:a14="http://schemas.microsoft.com/office/drawing/2010/main">
+                <a:solidFill>
+                  <a:srgbClr val="FFFFFF"/>
+                </a:solidFill>
+              </a14:hiddenFill>
+            </a:ext>
+            <a:ext uri="{91240B29-F687-4F45-9708-019B960494DF}">
+              <a14:hiddenLine xmlns:a14="http://schemas.microsoft.com/office/drawing/2010/main" w="9525">
+                <a:solidFill>
+                  <a:srgbClr val="000000"/>
+                </a:solidFill>
+                <a:miter lim="800000"/>
+                <a:headEnd/>
+                <a:tailEnd/>
+              </a14:hiddenLine>
+            </a:ext>
+          </a:extLst>
+        </p:spPr>
+        <p:txBody>
+          <a:bodyPr anchor="ctr"/>
+          <a:lstStyle>
+            <a:lvl1pPr>
+              <a:defRPr>
+                <a:solidFill>
+                  <a:schemeClr val="tx1"/>
+                </a:solidFill>
+                <a:latin typeface="Calibri" panose="020F0502020204030204" pitchFamily="34" charset="0"/>
+              </a:defRPr>
+            </a:lvl1pPr>
+            <a:lvl2pPr marL="742950" indent="-285750">
+              <a:defRPr>
+                <a:solidFill>
+                  <a:schemeClr val="tx1"/>
+                </a:solidFill>
+                <a:latin typeface="Calibri" panose="020F0502020204030204" pitchFamily="34" charset="0"/>
+              </a:defRPr>
+            </a:lvl2pPr>
+            <a:lvl3pPr marL="1143000" indent="-228600">
+              <a:defRPr>
+                <a:solidFill>
+                  <a:schemeClr val="tx1"/>
+                </a:solidFill>
+                <a:latin typeface="Calibri" panose="020F0502020204030204" pitchFamily="34" charset="0"/>
+              </a:defRPr>
+            </a:lvl3pPr>
+            <a:lvl4pPr marL="1600200" indent="-228600">
+              <a:defRPr>
+                <a:solidFill>
+                  <a:schemeClr val="tx1"/>
+                </a:solidFill>
+                <a:latin typeface="Calibri" panose="020F0502020204030204" pitchFamily="34" charset="0"/>
+              </a:defRPr>
+            </a:lvl4pPr>
+            <a:lvl5pPr marL="2057400" indent="-228600">
+              <a:defRPr>
+                <a:solidFill>
+                  <a:schemeClr val="tx1"/>
+                </a:solidFill>
+                <a:latin typeface="Calibri" panose="020F0502020204030204" pitchFamily="34" charset="0"/>
+              </a:defRPr>
+            </a:lvl5pPr>
+            <a:lvl6pPr marL="2514600" indent="-228600" fontAlgn="base">
+              <a:spcBef>
+                <a:spcPct val="0"/>
+              </a:spcBef>
+              <a:spcAft>
+                <a:spcPct val="0"/>
+              </a:spcAft>
+              <a:defRPr>
+                <a:solidFill>
+                  <a:schemeClr val="tx1"/>
+                </a:solidFill>
+                <a:latin typeface="Calibri" panose="020F0502020204030204" pitchFamily="34" charset="0"/>
+              </a:defRPr>
+            </a:lvl6pPr>
+            <a:lvl7pPr marL="2971800" indent="-228600" fontAlgn="base">
+              <a:spcBef>
+                <a:spcPct val="0"/>
+              </a:spcBef>
+              <a:spcAft>
+                <a:spcPct val="0"/>
+              </a:spcAft>
+              <a:defRPr>
+                <a:solidFill>
+                  <a:schemeClr val="tx1"/>
+                </a:solidFill>
+                <a:latin typeface="Calibri" panose="020F0502020204030204" pitchFamily="34" charset="0"/>
+              </a:defRPr>
+            </a:lvl7pPr>
+            <a:lvl8pPr marL="3429000" indent="-228600" fontAlgn="base">
+              <a:spcBef>
+                <a:spcPct val="0"/>
+              </a:spcBef>
+              <a:spcAft>
+                <a:spcPct val="0"/>
+              </a:spcAft>
+              <a:defRPr>
+                <a:solidFill>
+                  <a:schemeClr val="tx1"/>
+                </a:solidFill>
+                <a:latin typeface="Calibri" panose="020F0502020204030204" pitchFamily="34" charset="0"/>
+              </a:defRPr>
+            </a:lvl8pPr>
+            <a:lvl9pPr marL="3886200" indent="-228600" fontAlgn="base">
+              <a:spcBef>
+                <a:spcPct val="0"/>
+              </a:spcBef>
+              <a:spcAft>
+                <a:spcPct val="0"/>
+              </a:spcAft>
+              <a:defRPr>
+                <a:solidFill>
+                  <a:schemeClr val="tx1"/>
+                </a:solidFill>
+                <a:latin typeface="Calibri" panose="020F0502020204030204" pitchFamily="34" charset="0"/>
+              </a:defRPr>
+            </a:lvl9pPr>
+          </a:lstStyle>
+          <a:p>
+            <a:pPr algn="ctr">
+              <a:lnSpc>
+                <a:spcPts val="5763"/>
+              </a:lnSpc>
+            </a:pPr>
+            <a:r>
+              <a:rPr lang="fr-FR" sz="2400" b="1" dirty="0" smtClean="0">
+                <a:solidFill>
+                  <a:srgbClr val="C00000"/>
+                </a:solidFill>
+              </a:rPr>
+              <a:t>Master 2 Technologies de l’hypermédias </a:t>
+            </a:r>
+            <a:endParaRPr lang="fr-FR" sz="2400" b="1" dirty="0">
+              <a:solidFill>
+                <a:srgbClr val="C00000"/>
+              </a:solidFill>
+            </a:endParaRPr>
+          </a:p>
+        </p:txBody>
+      </p:sp>
     </p:spTree>
   </p:cSld>
   <p:clrMapOvr>
@@ -5025,10 +5172,15 @@
                             </p:stCondLst>
                             <p:childTnLst>
                               <p:par>
-                                <p:cTn id="9" presetID="16" presetClass="entr" presetSubtype="21" fill="hold" grpId="0" nodeType="afterEffect">
+                                <p:cTn id="9" presetID="16" presetClass="entr" presetSubtype="21" fill="hold" grpId="0" nodeType="afterEffect" nodePh="1">
                                   <p:stCondLst>
                                     <p:cond delay="0"/>
                                   </p:stCondLst>
+                                  <p:endCondLst>
+                                    <p:cond evt="begin" delay="0">
+                                      <p:tn val="9"/>
+                                    </p:cond>
+                                  </p:endCondLst>
                                   <p:childTnLst>
                                     <p:set>
                                       <p:cBhvr>
@@ -5103,6 +5255,41 @@
                                   </p:childTnLst>
                                 </p:cTn>
                               </p:par>
+                              <p:par>
+                                <p:cTn id="16" presetID="16" presetClass="entr" presetSubtype="21" fill="hold" grpId="0" nodeType="withEffect">
+                                  <p:stCondLst>
+                                    <p:cond delay="0"/>
+                                  </p:stCondLst>
+                                  <p:childTnLst>
+                                    <p:set>
+                                      <p:cBhvr>
+                                        <p:cTn id="17" dur="1" fill="hold">
+                                          <p:stCondLst>
+                                            <p:cond delay="0"/>
+                                          </p:stCondLst>
+                                        </p:cTn>
+                                        <p:tgtEl>
+                                          <p:spTgt spid="11"/>
+                                        </p:tgtEl>
+                                        <p:attrNameLst>
+                                          <p:attrName>style.visibility</p:attrName>
+                                        </p:attrNameLst>
+                                      </p:cBhvr>
+                                      <p:to>
+                                        <p:strVal val="visible"/>
+                                      </p:to>
+                                    </p:set>
+                                    <p:animEffect transition="in" filter="barn(inVertical)">
+                                      <p:cBhvr>
+                                        <p:cTn id="18" dur="500"/>
+                                        <p:tgtEl>
+                                          <p:spTgt spid="11"/>
+                                        </p:tgtEl>
+                                      </p:cBhvr>
+                                    </p:animEffect>
+                                  </p:childTnLst>
+                                </p:cTn>
+                              </p:par>
                             </p:childTnLst>
                           </p:cTn>
                         </p:par>
@@ -5134,6 +5321,7 @@
       <p:bldP spid="3" grpId="0" build="p"/>
       <p:bldP spid="10" grpId="0"/>
       <p:bldP spid="20" grpId="0"/>
+      <p:bldP spid="11" grpId="0"/>
     </p:bldLst>
   </p:timing>
 </p:sld>
@@ -5178,7 +5366,7 @@
         </p:nvSpPr>
         <p:spPr bwMode="auto">
           <a:xfrm>
-            <a:off x="624908" y="1916832"/>
+            <a:off x="624908" y="2276872"/>
             <a:ext cx="7845425" cy="1728788"/>
           </a:xfrm>
           <a:prstGeom prst="rect">
@@ -5314,54 +5502,12 @@
               <a:buAutoNum type="arabicPeriod"/>
             </a:pPr>
             <a:r>
-              <a:rPr lang="fr-FR" sz="3600" b="1" dirty="0">
+              <a:rPr lang="fr-FR" sz="3600" b="1" dirty="0" smtClean="0">
                 <a:solidFill>
                   <a:srgbClr val="C00000"/>
                 </a:solidFill>
               </a:rPr>
-              <a:t>Biographie</a:t>
-            </a:r>
-          </a:p>
-          <a:p>
-            <a:pPr marL="342900" lvl="0" indent="-342900">
-              <a:buFont typeface="+mj-lt"/>
-              <a:buAutoNum type="arabicPeriod"/>
-            </a:pPr>
-            <a:r>
-              <a:rPr lang="fr-FR" sz="3600" b="1" dirty="0">
-                <a:solidFill>
-                  <a:srgbClr val="C00000"/>
-                </a:solidFill>
-              </a:rPr>
-              <a:t>Carrière d’études</a:t>
-            </a:r>
-          </a:p>
-          <a:p>
-            <a:pPr marL="342900" lvl="0" indent="-342900">
-              <a:buFont typeface="+mj-lt"/>
-              <a:buAutoNum type="arabicPeriod"/>
-            </a:pPr>
-            <a:r>
-              <a:rPr lang="fr-FR" sz="3600" b="1" dirty="0">
-                <a:solidFill>
-                  <a:srgbClr val="C00000"/>
-                </a:solidFill>
-              </a:rPr>
-              <a:t>Réalisations</a:t>
-            </a:r>
-          </a:p>
-          <a:p>
-            <a:pPr marL="800100" lvl="1" indent="-342900">
-              <a:buFont typeface="+mj-lt"/>
-              <a:buAutoNum type="arabicPeriod"/>
-            </a:pPr>
-            <a:r>
-              <a:rPr lang="fr-FR" sz="3600" b="1" dirty="0" err="1">
-                <a:solidFill>
-                  <a:srgbClr val="C00000"/>
-                </a:solidFill>
-              </a:rPr>
-              <a:t>Dendral</a:t>
+              <a:t>Description du projet</a:t>
             </a:r>
             <a:endParaRPr lang="fr-FR" sz="3600" b="1" dirty="0">
               <a:solidFill>
@@ -5375,13 +5521,79 @@
               <a:buAutoNum type="arabicPeriod"/>
             </a:pPr>
             <a:r>
-              <a:rPr lang="fr-FR" sz="3600" b="1" dirty="0">
+              <a:rPr lang="fr-FR" sz="3600" b="1" dirty="0" smtClean="0">
                 <a:solidFill>
                   <a:srgbClr val="C00000"/>
                 </a:solidFill>
               </a:rPr>
-              <a:t>Récompenses</a:t>
-            </a:r>
+              <a:t>Etat de l’art </a:t>
+            </a:r>
+          </a:p>
+          <a:p>
+            <a:pPr marL="1085850" lvl="1" indent="-342900">
+              <a:buFont typeface="+mj-lt"/>
+              <a:buAutoNum type="arabicPeriod"/>
+            </a:pPr>
+            <a:r>
+              <a:rPr lang="fr-FR" sz="3600" b="1" dirty="0" smtClean="0">
+                <a:solidFill>
+                  <a:srgbClr val="C00000"/>
+                </a:solidFill>
+              </a:rPr>
+              <a:t>Historique</a:t>
+            </a:r>
+          </a:p>
+          <a:p>
+            <a:pPr marL="1085850" lvl="1" indent="-342900">
+              <a:buFont typeface="+mj-lt"/>
+              <a:buAutoNum type="arabicPeriod"/>
+            </a:pPr>
+            <a:r>
+              <a:rPr lang="fr-FR" sz="3600" b="1" dirty="0" smtClean="0">
+                <a:solidFill>
+                  <a:srgbClr val="C00000"/>
+                </a:solidFill>
+              </a:rPr>
+              <a:t>Evolutions</a:t>
+            </a:r>
+          </a:p>
+          <a:p>
+            <a:pPr marL="1085850" lvl="1" indent="-342900">
+              <a:buFont typeface="+mj-lt"/>
+              <a:buAutoNum type="arabicPeriod"/>
+            </a:pPr>
+            <a:r>
+              <a:rPr lang="fr-FR" sz="3600" b="1" dirty="0" smtClean="0">
+                <a:solidFill>
+                  <a:srgbClr val="C00000"/>
+                </a:solidFill>
+              </a:rPr>
+              <a:t>Problématique</a:t>
+            </a:r>
+            <a:endParaRPr lang="fr-FR" sz="3600" b="1" dirty="0">
+              <a:solidFill>
+                <a:srgbClr val="C00000"/>
+              </a:solidFill>
+            </a:endParaRPr>
+          </a:p>
+          <a:p>
+            <a:pPr marL="342900" lvl="0" indent="-342900">
+              <a:buFont typeface="+mj-lt"/>
+              <a:buAutoNum type="arabicPeriod"/>
+            </a:pPr>
+            <a:r>
+              <a:rPr lang="fr-FR" sz="3600" b="1" smtClean="0">
+                <a:solidFill>
+                  <a:srgbClr val="C00000"/>
+                </a:solidFill>
+              </a:rPr>
+              <a:t>Veille technologiques</a:t>
+            </a:r>
+            <a:endParaRPr lang="fr-FR" sz="3600" b="1" dirty="0">
+              <a:solidFill>
+                <a:srgbClr val="C00000"/>
+              </a:solidFill>
+            </a:endParaRPr>
           </a:p>
           <a:p>
             <a:pPr marL="342900" lvl="0" indent="-342900">
@@ -8918,7 +9130,7 @@
   <a:extraClrSchemeLst/>
   <a:extLst>
     <a:ext uri="{05A4C25C-085E-4340-85A3-A5531E510DB2}">
-      <thm15:themeFamily xmlns:thm15="http://schemas.microsoft.com/office/thememl/2012/main" xmlns="" name="Office Theme" id="{62F939B6-93AF-4DB8-9C6B-D6C7DFDC589F}" vid="{4A3C46E8-61CC-4603-A589-7422A47A8E4A}"/>
+      <thm15:themeFamily xmlns="" xmlns:thm15="http://schemas.microsoft.com/office/thememl/2012/main" name="Office Theme" id="{62F939B6-93AF-4DB8-9C6B-D6C7DFDC589F}" vid="{4A3C46E8-61CC-4603-A589-7422A47A8E4A}"/>
     </a:ext>
   </a:extLst>
 </a:theme>

--- a/Présentation.pptx
+++ b/Présentation.pptx
@@ -5,12 +5,13 @@
     <p:sldMasterId id="2147483648" r:id="rId1"/>
   </p:sldMasterIdLst>
   <p:notesMasterIdLst>
-    <p:notesMasterId r:id="rId5"/>
+    <p:notesMasterId r:id="rId6"/>
   </p:notesMasterIdLst>
   <p:sldIdLst>
     <p:sldId id="256" r:id="rId2"/>
     <p:sldId id="258" r:id="rId3"/>
-    <p:sldId id="267" r:id="rId4"/>
+    <p:sldId id="268" r:id="rId4"/>
+    <p:sldId id="267" r:id="rId5"/>
   </p:sldIdLst>
   <p:sldSz cx="9144000" cy="6858000" type="screen4x3"/>
   <p:notesSz cx="6858000" cy="9144000"/>
@@ -141,7 +142,7 @@
   </p:defaultTextStyle>
   <p:extLst>
     <p:ext uri="{EFAFB233-063F-42B5-8137-9DF3F51BA10A}">
-      <p15:sldGuideLst xmlns="" xmlns:p15="http://schemas.microsoft.com/office/powerpoint/2012/main">
+      <p15:sldGuideLst xmlns:p15="http://schemas.microsoft.com/office/powerpoint/2012/main" xmlns="">
         <p15:guide id="1" orient="horz" pos="2160">
           <p15:clr>
             <a:srgbClr val="A4A3A4"/>
@@ -746,6 +747,91 @@
               <a:rPr lang="fr-FR"/>
               <a:pPr/>
               <a:t>3</a:t>
+            </a:fld>
+            <a:endParaRPr lang="fr-FR"/>
+          </a:p>
+        </p:txBody>
+      </p:sp>
+    </p:spTree>
+    <p:extLst>
+      <p:ext uri="{BB962C8B-B14F-4D97-AF65-F5344CB8AC3E}">
+        <p14:creationId xmlns:p14="http://schemas.microsoft.com/office/powerpoint/2010/main" val="1510040716"/>
+      </p:ext>
+    </p:extLst>
+  </p:cSld>
+  <p:clrMapOvr>
+    <a:masterClrMapping/>
+  </p:clrMapOvr>
+</p:notes>
+</file>
+
+<file path=ppt/notesSlides/notesSlide4.xml><?xml version="1.0" encoding="utf-8"?>
+<p:notes xmlns:a="http://schemas.openxmlformats.org/drawingml/2006/main" xmlns:r="http://schemas.openxmlformats.org/officeDocument/2006/relationships" xmlns:p="http://schemas.openxmlformats.org/presentationml/2006/main">
+  <p:cSld>
+    <p:spTree>
+      <p:nvGrpSpPr>
+        <p:cNvPr id="1" name=""/>
+        <p:cNvGrpSpPr/>
+        <p:nvPr/>
+      </p:nvGrpSpPr>
+      <p:grpSpPr>
+        <a:xfrm>
+          <a:off x="0" y="0"/>
+          <a:ext cx="0" cy="0"/>
+          <a:chOff x="0" y="0"/>
+          <a:chExt cx="0" cy="0"/>
+        </a:xfrm>
+      </p:grpSpPr>
+      <p:sp>
+        <p:nvSpPr>
+          <p:cNvPr id="2" name="Espace réservé de l'image des diapositives 1"/>
+          <p:cNvSpPr>
+            <a:spLocks noGrp="1" noRot="1" noChangeAspect="1"/>
+          </p:cNvSpPr>
+          <p:nvPr>
+            <p:ph type="sldImg"/>
+          </p:nvPr>
+        </p:nvSpPr>
+        <p:spPr/>
+      </p:sp>
+      <p:sp>
+        <p:nvSpPr>
+          <p:cNvPr id="3" name="Espace réservé des commentaires 2"/>
+          <p:cNvSpPr>
+            <a:spLocks noGrp="1"/>
+          </p:cNvSpPr>
+          <p:nvPr>
+            <p:ph type="body" idx="1"/>
+          </p:nvPr>
+        </p:nvSpPr>
+        <p:spPr/>
+        <p:txBody>
+          <a:bodyPr/>
+          <a:lstStyle/>
+          <a:p>
+            <a:endParaRPr lang="fr-FR"/>
+          </a:p>
+        </p:txBody>
+      </p:sp>
+      <p:sp>
+        <p:nvSpPr>
+          <p:cNvPr id="4" name="Espace réservé du numéro de diapositive 3"/>
+          <p:cNvSpPr>
+            <a:spLocks noGrp="1"/>
+          </p:cNvSpPr>
+          <p:nvPr>
+            <p:ph type="sldNum" sz="quarter" idx="10"/>
+          </p:nvPr>
+        </p:nvSpPr>
+        <p:spPr/>
+        <p:txBody>
+          <a:bodyPr/>
+          <a:lstStyle/>
+          <a:p>
+            <a:fld id="{FD7A2744-27CE-45BB-9B7B-362B7049820F}" type="slidenum">
+              <a:rPr lang="fr-FR"/>
+              <a:pPr/>
+              <a:t>4</a:t>
             </a:fld>
             <a:endParaRPr lang="fr-FR"/>
           </a:p>
@@ -4288,15 +4374,7 @@
                   <a:srgbClr val="7F7F7F"/>
                 </a:solidFill>
               </a:rPr>
-              <a:t>Cette présentation  consiste  a  </a:t>
-            </a:r>
-            <a:r>
-              <a:rPr lang="fr-FR" sz="1400" b="1" dirty="0" smtClean="0">
-                <a:solidFill>
-                  <a:srgbClr val="7F7F7F"/>
-                </a:solidFill>
-              </a:rPr>
-              <a:t>présenter un projet qui consiste a 	réaliser un navigateur  spatio-temporel </a:t>
+              <a:t>Cette présentation  consiste  a  présenter un projet qui consiste a 	réaliser un navigateur  spatio-temporel </a:t>
             </a:r>
             <a:endParaRPr lang="fr-FR" sz="1400" dirty="0">
               <a:solidFill>
@@ -4939,8 +5017,8 @@
         </p:nvSpPr>
         <p:spPr bwMode="auto">
           <a:xfrm>
-            <a:off x="446489" y="980430"/>
-            <a:ext cx="7845425" cy="1728788"/>
+            <a:off x="446488" y="949598"/>
+            <a:ext cx="8085952" cy="1728788"/>
           </a:xfrm>
           <a:prstGeom prst="rect">
             <a:avLst/>
@@ -5582,7 +5660,7 @@
               <a:buAutoNum type="arabicPeriod"/>
             </a:pPr>
             <a:r>
-              <a:rPr lang="fr-FR" sz="3600" b="1" smtClean="0">
+              <a:rPr lang="fr-FR" sz="3600" b="1" dirty="0" smtClean="0">
                 <a:solidFill>
                   <a:srgbClr val="C00000"/>
                 </a:solidFill>
@@ -5601,13 +5679,32 @@
               <a:buAutoNum type="arabicPeriod"/>
             </a:pPr>
             <a:r>
-              <a:rPr lang="fr-FR" sz="3600" b="1" dirty="0">
+              <a:rPr lang="fr-FR" sz="3600" b="1" dirty="0" smtClean="0">
+                <a:solidFill>
+                  <a:srgbClr val="C00000"/>
+                </a:solidFill>
+              </a:rPr>
+              <a:t>Etat de l’avancement </a:t>
+            </a:r>
+          </a:p>
+          <a:p>
+            <a:pPr marL="342900" lvl="0" indent="-342900">
+              <a:buFont typeface="+mj-lt"/>
+              <a:buAutoNum type="arabicPeriod"/>
+            </a:pPr>
+            <a:r>
+              <a:rPr lang="fr-FR" sz="3600" b="1" dirty="0" smtClean="0">
                 <a:solidFill>
                   <a:srgbClr val="C00000"/>
                 </a:solidFill>
               </a:rPr>
               <a:t>Conclusion</a:t>
             </a:r>
+            <a:endParaRPr lang="fr-FR" sz="3600" b="1" dirty="0">
+              <a:solidFill>
+                <a:srgbClr val="C00000"/>
+              </a:solidFill>
+            </a:endParaRPr>
           </a:p>
         </p:txBody>
       </p:sp>
@@ -6106,124 +6203,6 @@
           </p:txBody>
         </p:sp>
       </p:grpSp>
-      <p:sp>
-        <p:nvSpPr>
-          <p:cNvPr id="44" name="1 Título"/>
-          <p:cNvSpPr txBox="1">
-            <a:spLocks/>
-          </p:cNvSpPr>
-          <p:nvPr/>
-        </p:nvSpPr>
-        <p:spPr>
-          <a:xfrm>
-            <a:off x="4500563" y="6265863"/>
-            <a:ext cx="2043112" cy="476250"/>
-          </a:xfrm>
-          <a:prstGeom prst="rect">
-            <a:avLst/>
-          </a:prstGeom>
-        </p:spPr>
-        <p:txBody>
-          <a:bodyPr anchor="ctr"/>
-          <a:lstStyle>
-            <a:lvl1pPr algn="ctr" defTabSz="914400" rtl="0" eaLnBrk="1" latinLnBrk="0" hangingPunct="1">
-              <a:spcBef>
-                <a:spcPct val="0"/>
-              </a:spcBef>
-              <a:buNone/>
-              <a:defRPr sz="4400" kern="1200">
-                <a:solidFill>
-                  <a:schemeClr val="tx1"/>
-                </a:solidFill>
-                <a:latin typeface="+mj-lt"/>
-                <a:ea typeface="+mj-ea"/>
-                <a:cs typeface="+mj-cs"/>
-              </a:defRPr>
-            </a:lvl1pPr>
-          </a:lstStyle>
-          <a:p>
-            <a:pPr algn="l" fontAlgn="auto">
-              <a:spcAft>
-                <a:spcPts val="0"/>
-              </a:spcAft>
-              <a:defRPr/>
-            </a:pPr>
-            <a:r>
-              <a:rPr lang="fr-FR" sz="900" b="1" dirty="0" smtClean="0">
-                <a:solidFill>
-                  <a:schemeClr val="bg1">
-                    <a:lumMod val="85000"/>
-                  </a:schemeClr>
-                </a:solidFill>
-              </a:rPr>
-              <a:t>Préparé par </a:t>
-            </a:r>
-          </a:p>
-          <a:p>
-            <a:pPr algn="l" fontAlgn="auto">
-              <a:spcAft>
-                <a:spcPts val="0"/>
-              </a:spcAft>
-              <a:defRPr/>
-            </a:pPr>
-            <a:r>
-              <a:rPr lang="fr-FR" sz="800" dirty="0" err="1" smtClean="0">
-                <a:solidFill>
-                  <a:schemeClr val="bg1">
-                    <a:lumMod val="65000"/>
-                  </a:schemeClr>
-                </a:solidFill>
-              </a:rPr>
-              <a:t>Lansari</a:t>
-            </a:r>
-            <a:r>
-              <a:rPr lang="fr-FR" sz="800" dirty="0" smtClean="0">
-                <a:solidFill>
-                  <a:schemeClr val="bg1">
-                    <a:lumMod val="65000"/>
-                  </a:schemeClr>
-                </a:solidFill>
-              </a:rPr>
-              <a:t> </a:t>
-            </a:r>
-            <a:r>
-              <a:rPr lang="fr-FR" sz="800" dirty="0" err="1" smtClean="0">
-                <a:solidFill>
-                  <a:schemeClr val="bg1">
-                    <a:lumMod val="65000"/>
-                  </a:schemeClr>
-                </a:solidFill>
-              </a:rPr>
-              <a:t>Achraf</a:t>
-            </a:r>
-            <a:endParaRPr lang="fr-FR" sz="800" dirty="0" smtClean="0">
-              <a:solidFill>
-                <a:schemeClr val="bg1">
-                  <a:lumMod val="65000"/>
-                </a:schemeClr>
-              </a:solidFill>
-            </a:endParaRPr>
-          </a:p>
-          <a:p>
-            <a:pPr algn="l" fontAlgn="auto">
-              <a:spcAft>
-                <a:spcPts val="0"/>
-              </a:spcAft>
-              <a:defRPr/>
-            </a:pPr>
-            <a:r>
-              <a:rPr lang="fr-FR" sz="800" dirty="0">
-                <a:solidFill>
-                  <a:schemeClr val="bg1">
-                    <a:lumMod val="65000"/>
-                  </a:schemeClr>
-                </a:solidFill>
-              </a:rPr>
-              <a:t>Master 1 informatique et sciences humaines</a:t>
-            </a:r>
-          </a:p>
-        </p:txBody>
-      </p:sp>
       <p:pic>
         <p:nvPicPr>
           <p:cNvPr id="3078" name="44 Imagen">
@@ -6656,6 +6635,258 @@
                 <a:srgbClr val="7F7F7F"/>
               </a:solidFill>
             </a:endParaRPr>
+          </a:p>
+        </p:txBody>
+      </p:sp>
+      <p:sp>
+        <p:nvSpPr>
+          <p:cNvPr id="14" name="1 Título"/>
+          <p:cNvSpPr txBox="1">
+            <a:spLocks/>
+          </p:cNvSpPr>
+          <p:nvPr/>
+        </p:nvSpPr>
+        <p:spPr bwMode="auto">
+          <a:xfrm>
+            <a:off x="2555776" y="6266706"/>
+            <a:ext cx="4046537" cy="474662"/>
+          </a:xfrm>
+          <a:prstGeom prst="rect">
+            <a:avLst/>
+          </a:prstGeom>
+          <a:noFill/>
+          <a:ln>
+            <a:noFill/>
+          </a:ln>
+          <a:extLst>
+            <a:ext uri="{909E8E84-426E-40DD-AFC4-6F175D3DCCD1}">
+              <a14:hiddenFill xmlns:a14="http://schemas.microsoft.com/office/drawing/2010/main">
+                <a:solidFill>
+                  <a:srgbClr val="FFFFFF"/>
+                </a:solidFill>
+              </a14:hiddenFill>
+            </a:ext>
+            <a:ext uri="{91240B29-F687-4F45-9708-019B960494DF}">
+              <a14:hiddenLine xmlns:a14="http://schemas.microsoft.com/office/drawing/2010/main" w="9525">
+                <a:solidFill>
+                  <a:srgbClr val="000000"/>
+                </a:solidFill>
+                <a:miter lim="800000"/>
+                <a:headEnd/>
+                <a:tailEnd/>
+              </a14:hiddenLine>
+            </a:ext>
+          </a:extLst>
+        </p:spPr>
+        <p:txBody>
+          <a:bodyPr anchor="ctr"/>
+          <a:lstStyle>
+            <a:lvl1pPr>
+              <a:defRPr>
+                <a:solidFill>
+                  <a:schemeClr val="tx1"/>
+                </a:solidFill>
+                <a:latin typeface="Calibri" panose="020F0502020204030204" pitchFamily="34" charset="0"/>
+              </a:defRPr>
+            </a:lvl1pPr>
+            <a:lvl2pPr marL="742950" indent="-285750">
+              <a:defRPr>
+                <a:solidFill>
+                  <a:schemeClr val="tx1"/>
+                </a:solidFill>
+                <a:latin typeface="Calibri" panose="020F0502020204030204" pitchFamily="34" charset="0"/>
+              </a:defRPr>
+            </a:lvl2pPr>
+            <a:lvl3pPr marL="1143000" indent="-228600">
+              <a:defRPr>
+                <a:solidFill>
+                  <a:schemeClr val="tx1"/>
+                </a:solidFill>
+                <a:latin typeface="Calibri" panose="020F0502020204030204" pitchFamily="34" charset="0"/>
+              </a:defRPr>
+            </a:lvl3pPr>
+            <a:lvl4pPr marL="1600200" indent="-228600">
+              <a:defRPr>
+                <a:solidFill>
+                  <a:schemeClr val="tx1"/>
+                </a:solidFill>
+                <a:latin typeface="Calibri" panose="020F0502020204030204" pitchFamily="34" charset="0"/>
+              </a:defRPr>
+            </a:lvl4pPr>
+            <a:lvl5pPr marL="2057400" indent="-228600">
+              <a:defRPr>
+                <a:solidFill>
+                  <a:schemeClr val="tx1"/>
+                </a:solidFill>
+                <a:latin typeface="Calibri" panose="020F0502020204030204" pitchFamily="34" charset="0"/>
+              </a:defRPr>
+            </a:lvl5pPr>
+            <a:lvl6pPr marL="2514600" indent="-228600" fontAlgn="base">
+              <a:spcBef>
+                <a:spcPct val="0"/>
+              </a:spcBef>
+              <a:spcAft>
+                <a:spcPct val="0"/>
+              </a:spcAft>
+              <a:defRPr>
+                <a:solidFill>
+                  <a:schemeClr val="tx1"/>
+                </a:solidFill>
+                <a:latin typeface="Calibri" panose="020F0502020204030204" pitchFamily="34" charset="0"/>
+              </a:defRPr>
+            </a:lvl6pPr>
+            <a:lvl7pPr marL="2971800" indent="-228600" fontAlgn="base">
+              <a:spcBef>
+                <a:spcPct val="0"/>
+              </a:spcBef>
+              <a:spcAft>
+                <a:spcPct val="0"/>
+              </a:spcAft>
+              <a:defRPr>
+                <a:solidFill>
+                  <a:schemeClr val="tx1"/>
+                </a:solidFill>
+                <a:latin typeface="Calibri" panose="020F0502020204030204" pitchFamily="34" charset="0"/>
+              </a:defRPr>
+            </a:lvl7pPr>
+            <a:lvl8pPr marL="3429000" indent="-228600" fontAlgn="base">
+              <a:spcBef>
+                <a:spcPct val="0"/>
+              </a:spcBef>
+              <a:spcAft>
+                <a:spcPct val="0"/>
+              </a:spcAft>
+              <a:defRPr>
+                <a:solidFill>
+                  <a:schemeClr val="tx1"/>
+                </a:solidFill>
+                <a:latin typeface="Calibri" panose="020F0502020204030204" pitchFamily="34" charset="0"/>
+              </a:defRPr>
+            </a:lvl8pPr>
+            <a:lvl9pPr marL="3886200" indent="-228600" fontAlgn="base">
+              <a:spcBef>
+                <a:spcPct val="0"/>
+              </a:spcBef>
+              <a:spcAft>
+                <a:spcPct val="0"/>
+              </a:spcAft>
+              <a:defRPr>
+                <a:solidFill>
+                  <a:schemeClr val="tx1"/>
+                </a:solidFill>
+                <a:latin typeface="Calibri" panose="020F0502020204030204" pitchFamily="34" charset="0"/>
+              </a:defRPr>
+            </a:lvl9pPr>
+          </a:lstStyle>
+          <a:p>
+            <a:pPr algn="ctr"/>
+            <a:r>
+              <a:rPr lang="fr-FR" sz="1100" b="1" dirty="0">
+                <a:solidFill>
+                  <a:srgbClr val="FFC000"/>
+                </a:solidFill>
+              </a:rPr>
+              <a:t> </a:t>
+            </a:r>
+            <a:r>
+              <a:rPr lang="fr-FR" sz="1100" b="1" dirty="0" smtClean="0">
+                <a:solidFill>
+                  <a:srgbClr val="FFC000"/>
+                </a:solidFill>
+              </a:rPr>
+              <a:t>Préparé </a:t>
+            </a:r>
+            <a:r>
+              <a:rPr lang="fr-FR" sz="1100" b="1" dirty="0">
+                <a:solidFill>
+                  <a:srgbClr val="FFC000"/>
+                </a:solidFill>
+              </a:rPr>
+              <a:t>par : </a:t>
+            </a:r>
+          </a:p>
+          <a:p>
+            <a:pPr algn="ctr"/>
+            <a:r>
+              <a:rPr lang="fr-FR" sz="1100" dirty="0" err="1" smtClean="0">
+                <a:solidFill>
+                  <a:schemeClr val="bg1"/>
+                </a:solidFill>
+              </a:rPr>
+              <a:t>Lansari</a:t>
+            </a:r>
+            <a:r>
+              <a:rPr lang="fr-FR" sz="1100" dirty="0" smtClean="0">
+                <a:solidFill>
+                  <a:schemeClr val="bg1"/>
+                </a:solidFill>
+              </a:rPr>
+              <a:t> </a:t>
+            </a:r>
+            <a:r>
+              <a:rPr lang="fr-FR" sz="1100" dirty="0" err="1">
+                <a:solidFill>
+                  <a:schemeClr val="bg1"/>
+                </a:solidFill>
+              </a:rPr>
+              <a:t>Achraf</a:t>
+            </a:r>
+            <a:r>
+              <a:rPr lang="fr-FR" sz="1100" dirty="0">
+                <a:solidFill>
+                  <a:schemeClr val="bg1"/>
+                </a:solidFill>
+              </a:rPr>
+              <a:t> </a:t>
+            </a:r>
+            <a:r>
+              <a:rPr lang="fr-FR" sz="1100" dirty="0" smtClean="0">
+                <a:solidFill>
+                  <a:schemeClr val="bg1"/>
+                </a:solidFill>
+              </a:rPr>
+              <a:t>:achraflansari@gmail.com</a:t>
+            </a:r>
+            <a:endParaRPr lang="fr-FR" sz="1100" dirty="0">
+              <a:solidFill>
+                <a:schemeClr val="bg1"/>
+              </a:solidFill>
+            </a:endParaRPr>
+          </a:p>
+          <a:p>
+            <a:pPr algn="ctr"/>
+            <a:r>
+              <a:rPr lang="fr-FR" sz="1100" dirty="0" err="1" smtClean="0">
+                <a:solidFill>
+                  <a:schemeClr val="bg1"/>
+                </a:solidFill>
+              </a:rPr>
+              <a:t>Hmessar</a:t>
+            </a:r>
+            <a:r>
+              <a:rPr lang="fr-FR" sz="1100" dirty="0" smtClean="0">
+                <a:solidFill>
+                  <a:schemeClr val="bg1"/>
+                </a:solidFill>
+              </a:rPr>
+              <a:t> </a:t>
+            </a:r>
+            <a:r>
+              <a:rPr lang="fr-FR" sz="1100" dirty="0" err="1" smtClean="0">
+                <a:solidFill>
+                  <a:schemeClr val="bg1"/>
+                </a:solidFill>
+              </a:rPr>
+              <a:t>abdelali</a:t>
+            </a:r>
+            <a:r>
+              <a:rPr lang="fr-FR" sz="1100" dirty="0" smtClean="0">
+                <a:solidFill>
+                  <a:schemeClr val="bg1"/>
+                </a:solidFill>
+              </a:rPr>
+              <a:t> : ali.hmessar@gmail.com</a:t>
+            </a:r>
           </a:p>
         </p:txBody>
       </p:sp>
@@ -6870,6 +7101,1231 @@
 </file>
 
 <file path=ppt/slides/slide3.xml><?xml version="1.0" encoding="utf-8"?>
+<p:sld xmlns:a="http://schemas.openxmlformats.org/drawingml/2006/main" xmlns:r="http://schemas.openxmlformats.org/officeDocument/2006/relationships" xmlns:p="http://schemas.openxmlformats.org/presentationml/2006/main">
+  <p:cSld>
+    <p:bg>
+      <p:bgPr>
+        <a:blipFill dpi="0" rotWithShape="0">
+          <a:blip r:embed="rId3" cstate="print"/>
+          <a:srcRect/>
+          <a:stretch>
+            <a:fillRect/>
+          </a:stretch>
+        </a:blipFill>
+        <a:effectLst/>
+      </p:bgPr>
+    </p:bg>
+    <p:spTree>
+      <p:nvGrpSpPr>
+        <p:cNvPr id="1" name=""/>
+        <p:cNvGrpSpPr/>
+        <p:nvPr/>
+      </p:nvGrpSpPr>
+      <p:grpSpPr>
+        <a:xfrm>
+          <a:off x="0" y="0"/>
+          <a:ext cx="0" cy="0"/>
+          <a:chOff x="0" y="0"/>
+          <a:chExt cx="0" cy="0"/>
+        </a:xfrm>
+      </p:grpSpPr>
+      <p:sp>
+        <p:nvSpPr>
+          <p:cNvPr id="24" name="1 Título"/>
+          <p:cNvSpPr txBox="1">
+            <a:spLocks/>
+          </p:cNvSpPr>
+          <p:nvPr/>
+        </p:nvSpPr>
+        <p:spPr>
+          <a:xfrm>
+            <a:off x="255723" y="404664"/>
+            <a:ext cx="5683823" cy="648072"/>
+          </a:xfrm>
+          <a:prstGeom prst="rect">
+            <a:avLst/>
+          </a:prstGeom>
+        </p:spPr>
+        <p:txBody>
+          <a:bodyPr anchor="ctr"/>
+          <a:lstStyle>
+            <a:defPPr>
+              <a:defRPr lang="es-ES"/>
+            </a:defPPr>
+            <a:lvl1pPr lvl="0">
+              <a:lnSpc>
+                <a:spcPts val="5763"/>
+              </a:lnSpc>
+              <a:defRPr sz="3200" b="1">
+                <a:solidFill>
+                  <a:srgbClr val="404040"/>
+                </a:solidFill>
+                <a:latin typeface="Calibri" panose="020F0502020204030204" pitchFamily="34" charset="0"/>
+              </a:defRPr>
+            </a:lvl1pPr>
+            <a:lvl2pPr marL="742950" indent="-285750">
+              <a:defRPr>
+                <a:latin typeface="Calibri" panose="020F0502020204030204" pitchFamily="34" charset="0"/>
+              </a:defRPr>
+            </a:lvl2pPr>
+            <a:lvl3pPr marL="1143000" indent="-228600">
+              <a:defRPr>
+                <a:latin typeface="Calibri" panose="020F0502020204030204" pitchFamily="34" charset="0"/>
+              </a:defRPr>
+            </a:lvl3pPr>
+            <a:lvl4pPr marL="1600200" indent="-228600">
+              <a:defRPr>
+                <a:latin typeface="Calibri" panose="020F0502020204030204" pitchFamily="34" charset="0"/>
+              </a:defRPr>
+            </a:lvl4pPr>
+            <a:lvl5pPr marL="2057400" indent="-228600">
+              <a:defRPr>
+                <a:latin typeface="Calibri" panose="020F0502020204030204" pitchFamily="34" charset="0"/>
+              </a:defRPr>
+            </a:lvl5pPr>
+            <a:lvl6pPr marL="2514600" indent="-228600" fontAlgn="base">
+              <a:spcBef>
+                <a:spcPct val="0"/>
+              </a:spcBef>
+              <a:spcAft>
+                <a:spcPct val="0"/>
+              </a:spcAft>
+              <a:defRPr>
+                <a:latin typeface="Calibri" panose="020F0502020204030204" pitchFamily="34" charset="0"/>
+              </a:defRPr>
+            </a:lvl6pPr>
+            <a:lvl7pPr marL="2971800" indent="-228600" fontAlgn="base">
+              <a:spcBef>
+                <a:spcPct val="0"/>
+              </a:spcBef>
+              <a:spcAft>
+                <a:spcPct val="0"/>
+              </a:spcAft>
+              <a:defRPr>
+                <a:latin typeface="Calibri" panose="020F0502020204030204" pitchFamily="34" charset="0"/>
+              </a:defRPr>
+            </a:lvl7pPr>
+            <a:lvl8pPr marL="3429000" indent="-228600" fontAlgn="base">
+              <a:spcBef>
+                <a:spcPct val="0"/>
+              </a:spcBef>
+              <a:spcAft>
+                <a:spcPct val="0"/>
+              </a:spcAft>
+              <a:defRPr>
+                <a:latin typeface="Calibri" panose="020F0502020204030204" pitchFamily="34" charset="0"/>
+              </a:defRPr>
+            </a:lvl8pPr>
+            <a:lvl9pPr marL="3886200" indent="-228600" fontAlgn="base">
+              <a:spcBef>
+                <a:spcPct val="0"/>
+              </a:spcBef>
+              <a:spcAft>
+                <a:spcPct val="0"/>
+              </a:spcAft>
+              <a:defRPr>
+                <a:latin typeface="Calibri" panose="020F0502020204030204" pitchFamily="34" charset="0"/>
+              </a:defRPr>
+            </a:lvl9pPr>
+          </a:lstStyle>
+          <a:p>
+            <a:r>
+              <a:rPr lang="fr-FR" dirty="0" smtClean="0"/>
+              <a:t>Description </a:t>
+            </a:r>
+            <a:r>
+              <a:rPr lang="fr-FR" dirty="0"/>
+              <a:t>du </a:t>
+            </a:r>
+            <a:r>
+              <a:rPr lang="fr-FR" dirty="0" smtClean="0"/>
+              <a:t>projet :</a:t>
+            </a:r>
+            <a:endParaRPr lang="fr-FR" dirty="0"/>
+          </a:p>
+          <a:p>
+            <a:r>
+              <a:rPr lang="fr-FR" dirty="0"/>
+              <a:t> </a:t>
+            </a:r>
+            <a:endParaRPr lang="fr-FR" dirty="0"/>
+          </a:p>
+        </p:txBody>
+      </p:sp>
+      <p:grpSp>
+        <p:nvGrpSpPr>
+          <p:cNvPr id="3076" name="36 Grupo"/>
+          <p:cNvGrpSpPr>
+            <a:grpSpLocks/>
+          </p:cNvGrpSpPr>
+          <p:nvPr/>
+        </p:nvGrpSpPr>
+        <p:grpSpPr bwMode="auto">
+          <a:xfrm>
+            <a:off x="250825" y="6234113"/>
+            <a:ext cx="4033838" cy="508000"/>
+            <a:chOff x="251520" y="6233909"/>
+            <a:chExt cx="2016224" cy="507459"/>
+          </a:xfrm>
+        </p:grpSpPr>
+        <p:sp>
+          <p:nvSpPr>
+            <p:cNvPr id="38" name="2 Subtítulo"/>
+            <p:cNvSpPr txBox="1">
+              <a:spLocks/>
+            </p:cNvSpPr>
+            <p:nvPr/>
+          </p:nvSpPr>
+          <p:spPr>
+            <a:xfrm>
+              <a:off x="251520" y="6233909"/>
+              <a:ext cx="2016224" cy="463056"/>
+            </a:xfrm>
+            <a:prstGeom prst="rect">
+              <a:avLst/>
+            </a:prstGeom>
+          </p:spPr>
+          <p:txBody>
+            <a:bodyPr/>
+            <a:lstStyle>
+              <a:lvl1pPr marL="342900" indent="-342900" algn="l" defTabSz="914400" rtl="0" eaLnBrk="1" latinLnBrk="0" hangingPunct="1">
+                <a:spcBef>
+                  <a:spcPct val="20000"/>
+                </a:spcBef>
+                <a:buFont typeface="Arial" pitchFamily="34" charset="0"/>
+                <a:buChar char="•"/>
+                <a:defRPr sz="3200" kern="1200">
+                  <a:solidFill>
+                    <a:schemeClr val="tx1"/>
+                  </a:solidFill>
+                  <a:latin typeface="+mn-lt"/>
+                  <a:ea typeface="+mn-ea"/>
+                  <a:cs typeface="+mn-cs"/>
+                </a:defRPr>
+              </a:lvl1pPr>
+              <a:lvl2pPr marL="742950" indent="-285750" algn="l" defTabSz="914400" rtl="0" eaLnBrk="1" latinLnBrk="0" hangingPunct="1">
+                <a:spcBef>
+                  <a:spcPct val="20000"/>
+                </a:spcBef>
+                <a:buFont typeface="Arial" pitchFamily="34" charset="0"/>
+                <a:buChar char="–"/>
+                <a:defRPr sz="2800" kern="1200">
+                  <a:solidFill>
+                    <a:schemeClr val="tx1"/>
+                  </a:solidFill>
+                  <a:latin typeface="+mn-lt"/>
+                  <a:ea typeface="+mn-ea"/>
+                  <a:cs typeface="+mn-cs"/>
+                </a:defRPr>
+              </a:lvl2pPr>
+              <a:lvl3pPr marL="1143000" indent="-228600" algn="l" defTabSz="914400" rtl="0" eaLnBrk="1" latinLnBrk="0" hangingPunct="1">
+                <a:spcBef>
+                  <a:spcPct val="20000"/>
+                </a:spcBef>
+                <a:buFont typeface="Arial" pitchFamily="34" charset="0"/>
+                <a:buChar char="•"/>
+                <a:defRPr sz="2400" kern="1200">
+                  <a:solidFill>
+                    <a:schemeClr val="tx1"/>
+                  </a:solidFill>
+                  <a:latin typeface="+mn-lt"/>
+                  <a:ea typeface="+mn-ea"/>
+                  <a:cs typeface="+mn-cs"/>
+                </a:defRPr>
+              </a:lvl3pPr>
+              <a:lvl4pPr marL="1600200" indent="-228600" algn="l" defTabSz="914400" rtl="0" eaLnBrk="1" latinLnBrk="0" hangingPunct="1">
+                <a:spcBef>
+                  <a:spcPct val="20000"/>
+                </a:spcBef>
+                <a:buFont typeface="Arial" pitchFamily="34" charset="0"/>
+                <a:buChar char="–"/>
+                <a:defRPr sz="2000" kern="1200">
+                  <a:solidFill>
+                    <a:schemeClr val="tx1"/>
+                  </a:solidFill>
+                  <a:latin typeface="+mn-lt"/>
+                  <a:ea typeface="+mn-ea"/>
+                  <a:cs typeface="+mn-cs"/>
+                </a:defRPr>
+              </a:lvl4pPr>
+              <a:lvl5pPr marL="2057400" indent="-228600" algn="l" defTabSz="914400" rtl="0" eaLnBrk="1" latinLnBrk="0" hangingPunct="1">
+                <a:spcBef>
+                  <a:spcPct val="20000"/>
+                </a:spcBef>
+                <a:buFont typeface="Arial" pitchFamily="34" charset="0"/>
+                <a:buChar char="»"/>
+                <a:defRPr sz="2000" kern="1200">
+                  <a:solidFill>
+                    <a:schemeClr val="tx1"/>
+                  </a:solidFill>
+                  <a:latin typeface="+mn-lt"/>
+                  <a:ea typeface="+mn-ea"/>
+                  <a:cs typeface="+mn-cs"/>
+                </a:defRPr>
+              </a:lvl5pPr>
+              <a:lvl6pPr marL="2514600" indent="-228600" algn="l" defTabSz="914400" rtl="0" eaLnBrk="1" latinLnBrk="0" hangingPunct="1">
+                <a:spcBef>
+                  <a:spcPct val="20000"/>
+                </a:spcBef>
+                <a:buFont typeface="Arial" pitchFamily="34" charset="0"/>
+                <a:buChar char="•"/>
+                <a:defRPr sz="2000" kern="1200">
+                  <a:solidFill>
+                    <a:schemeClr val="tx1"/>
+                  </a:solidFill>
+                  <a:latin typeface="+mn-lt"/>
+                  <a:ea typeface="+mn-ea"/>
+                  <a:cs typeface="+mn-cs"/>
+                </a:defRPr>
+              </a:lvl6pPr>
+              <a:lvl7pPr marL="2971800" indent="-228600" algn="l" defTabSz="914400" rtl="0" eaLnBrk="1" latinLnBrk="0" hangingPunct="1">
+                <a:spcBef>
+                  <a:spcPct val="20000"/>
+                </a:spcBef>
+                <a:buFont typeface="Arial" pitchFamily="34" charset="0"/>
+                <a:buChar char="•"/>
+                <a:defRPr sz="2000" kern="1200">
+                  <a:solidFill>
+                    <a:schemeClr val="tx1"/>
+                  </a:solidFill>
+                  <a:latin typeface="+mn-lt"/>
+                  <a:ea typeface="+mn-ea"/>
+                  <a:cs typeface="+mn-cs"/>
+                </a:defRPr>
+              </a:lvl7pPr>
+              <a:lvl8pPr marL="3429000" indent="-228600" algn="l" defTabSz="914400" rtl="0" eaLnBrk="1" latinLnBrk="0" hangingPunct="1">
+                <a:spcBef>
+                  <a:spcPct val="20000"/>
+                </a:spcBef>
+                <a:buFont typeface="Arial" pitchFamily="34" charset="0"/>
+                <a:buChar char="•"/>
+                <a:defRPr sz="2000" kern="1200">
+                  <a:solidFill>
+                    <a:schemeClr val="tx1"/>
+                  </a:solidFill>
+                  <a:latin typeface="+mn-lt"/>
+                  <a:ea typeface="+mn-ea"/>
+                  <a:cs typeface="+mn-cs"/>
+                </a:defRPr>
+              </a:lvl8pPr>
+              <a:lvl9pPr marL="3886200" indent="-228600" algn="l" defTabSz="914400" rtl="0" eaLnBrk="1" latinLnBrk="0" hangingPunct="1">
+                <a:spcBef>
+                  <a:spcPct val="20000"/>
+                </a:spcBef>
+                <a:buFont typeface="Arial" pitchFamily="34" charset="0"/>
+                <a:buChar char="•"/>
+                <a:defRPr sz="2000" kern="1200">
+                  <a:solidFill>
+                    <a:schemeClr val="tx1"/>
+                  </a:solidFill>
+                  <a:latin typeface="+mn-lt"/>
+                  <a:ea typeface="+mn-ea"/>
+                  <a:cs typeface="+mn-cs"/>
+                </a:defRPr>
+              </a:lvl9pPr>
+            </a:lstStyle>
+            <a:p>
+              <a:pPr marL="0" indent="0" fontAlgn="auto">
+                <a:spcAft>
+                  <a:spcPts val="0"/>
+                </a:spcAft>
+                <a:buFont typeface="Arial" pitchFamily="34" charset="0"/>
+                <a:buNone/>
+                <a:defRPr/>
+              </a:pPr>
+              <a:r>
+                <a:rPr lang="fr-FR" sz="2000" b="1" dirty="0" smtClean="0">
+                  <a:solidFill>
+                    <a:schemeClr val="bg1"/>
+                  </a:solidFill>
+                </a:rPr>
+                <a:t>Université  </a:t>
+              </a:r>
+              <a:r>
+                <a:rPr lang="fr-FR" sz="2000" dirty="0" smtClean="0">
+                  <a:solidFill>
+                    <a:schemeClr val="bg1">
+                      <a:lumMod val="75000"/>
+                    </a:schemeClr>
+                  </a:solidFill>
+                </a:rPr>
+                <a:t>Paris-8</a:t>
+              </a:r>
+              <a:endParaRPr lang="fr-FR" sz="2000" dirty="0">
+                <a:solidFill>
+                  <a:schemeClr val="bg1">
+                    <a:lumMod val="75000"/>
+                  </a:schemeClr>
+                </a:solidFill>
+              </a:endParaRPr>
+            </a:p>
+          </p:txBody>
+        </p:sp>
+        <p:sp>
+          <p:nvSpPr>
+            <p:cNvPr id="41" name="2 Subtítulo"/>
+            <p:cNvSpPr txBox="1">
+              <a:spLocks/>
+            </p:cNvSpPr>
+            <p:nvPr/>
+          </p:nvSpPr>
+          <p:spPr>
+            <a:xfrm>
+              <a:off x="268976" y="6509840"/>
+              <a:ext cx="1822616" cy="231528"/>
+            </a:xfrm>
+            <a:prstGeom prst="rect">
+              <a:avLst/>
+            </a:prstGeom>
+          </p:spPr>
+          <p:txBody>
+            <a:bodyPr/>
+            <a:lstStyle>
+              <a:lvl1pPr>
+                <a:defRPr>
+                  <a:solidFill>
+                    <a:schemeClr val="tx1"/>
+                  </a:solidFill>
+                  <a:latin typeface="Calibri" panose="020F0502020204030204" pitchFamily="34" charset="0"/>
+                </a:defRPr>
+              </a:lvl1pPr>
+              <a:lvl2pPr marL="742950" indent="-285750">
+                <a:defRPr>
+                  <a:solidFill>
+                    <a:schemeClr val="tx1"/>
+                  </a:solidFill>
+                  <a:latin typeface="Calibri" panose="020F0502020204030204" pitchFamily="34" charset="0"/>
+                </a:defRPr>
+              </a:lvl2pPr>
+              <a:lvl3pPr marL="1143000" indent="-228600">
+                <a:defRPr>
+                  <a:solidFill>
+                    <a:schemeClr val="tx1"/>
+                  </a:solidFill>
+                  <a:latin typeface="Calibri" panose="020F0502020204030204" pitchFamily="34" charset="0"/>
+                </a:defRPr>
+              </a:lvl3pPr>
+              <a:lvl4pPr marL="1600200" indent="-228600">
+                <a:defRPr>
+                  <a:solidFill>
+                    <a:schemeClr val="tx1"/>
+                  </a:solidFill>
+                  <a:latin typeface="Calibri" panose="020F0502020204030204" pitchFamily="34" charset="0"/>
+                </a:defRPr>
+              </a:lvl4pPr>
+              <a:lvl5pPr marL="2057400" indent="-228600">
+                <a:defRPr>
+                  <a:solidFill>
+                    <a:schemeClr val="tx1"/>
+                  </a:solidFill>
+                  <a:latin typeface="Calibri" panose="020F0502020204030204" pitchFamily="34" charset="0"/>
+                </a:defRPr>
+              </a:lvl5pPr>
+              <a:lvl6pPr marL="2514600" indent="-228600" fontAlgn="base">
+                <a:spcBef>
+                  <a:spcPct val="0"/>
+                </a:spcBef>
+                <a:spcAft>
+                  <a:spcPct val="0"/>
+                </a:spcAft>
+                <a:defRPr>
+                  <a:solidFill>
+                    <a:schemeClr val="tx1"/>
+                  </a:solidFill>
+                  <a:latin typeface="Calibri" panose="020F0502020204030204" pitchFamily="34" charset="0"/>
+                </a:defRPr>
+              </a:lvl6pPr>
+              <a:lvl7pPr marL="2971800" indent="-228600" fontAlgn="base">
+                <a:spcBef>
+                  <a:spcPct val="0"/>
+                </a:spcBef>
+                <a:spcAft>
+                  <a:spcPct val="0"/>
+                </a:spcAft>
+                <a:defRPr>
+                  <a:solidFill>
+                    <a:schemeClr val="tx1"/>
+                  </a:solidFill>
+                  <a:latin typeface="Calibri" panose="020F0502020204030204" pitchFamily="34" charset="0"/>
+                </a:defRPr>
+              </a:lvl7pPr>
+              <a:lvl8pPr marL="3429000" indent="-228600" fontAlgn="base">
+                <a:spcBef>
+                  <a:spcPct val="0"/>
+                </a:spcBef>
+                <a:spcAft>
+                  <a:spcPct val="0"/>
+                </a:spcAft>
+                <a:defRPr>
+                  <a:solidFill>
+                    <a:schemeClr val="tx1"/>
+                  </a:solidFill>
+                  <a:latin typeface="Calibri" panose="020F0502020204030204" pitchFamily="34" charset="0"/>
+                </a:defRPr>
+              </a:lvl8pPr>
+              <a:lvl9pPr marL="3886200" indent="-228600" fontAlgn="base">
+                <a:spcBef>
+                  <a:spcPct val="0"/>
+                </a:spcBef>
+                <a:spcAft>
+                  <a:spcPct val="0"/>
+                </a:spcAft>
+                <a:defRPr>
+                  <a:solidFill>
+                    <a:schemeClr val="tx1"/>
+                  </a:solidFill>
+                  <a:latin typeface="Calibri" panose="020F0502020204030204" pitchFamily="34" charset="0"/>
+                </a:defRPr>
+              </a:lvl9pPr>
+            </a:lstStyle>
+            <a:p>
+              <a:pPr>
+                <a:buFont typeface="Arial" panose="020B0604020202020204" pitchFamily="34" charset="0"/>
+                <a:buNone/>
+              </a:pPr>
+              <a:r>
+                <a:rPr lang="fr-FR" sz="900" b="1" dirty="0" smtClean="0">
+                  <a:solidFill>
+                    <a:srgbClr val="595959"/>
+                  </a:solidFill>
+                </a:rPr>
+                <a:t>Vincennes-Saint-Denis : M1 ISH</a:t>
+              </a:r>
+              <a:endParaRPr lang="fr-FR" sz="900" dirty="0">
+                <a:solidFill>
+                  <a:srgbClr val="FFC000"/>
+                </a:solidFill>
+              </a:endParaRPr>
+            </a:p>
+          </p:txBody>
+        </p:sp>
+      </p:grpSp>
+      <p:sp>
+        <p:nvSpPr>
+          <p:cNvPr id="44" name="1 Título"/>
+          <p:cNvSpPr txBox="1">
+            <a:spLocks/>
+          </p:cNvSpPr>
+          <p:nvPr/>
+        </p:nvSpPr>
+        <p:spPr>
+          <a:xfrm>
+            <a:off x="4500563" y="6265863"/>
+            <a:ext cx="2043112" cy="476250"/>
+          </a:xfrm>
+          <a:prstGeom prst="rect">
+            <a:avLst/>
+          </a:prstGeom>
+        </p:spPr>
+        <p:txBody>
+          <a:bodyPr anchor="ctr"/>
+          <a:lstStyle>
+            <a:lvl1pPr algn="ctr" defTabSz="914400" rtl="0" eaLnBrk="1" latinLnBrk="0" hangingPunct="1">
+              <a:spcBef>
+                <a:spcPct val="0"/>
+              </a:spcBef>
+              <a:buNone/>
+              <a:defRPr sz="4400" kern="1200">
+                <a:solidFill>
+                  <a:schemeClr val="tx1"/>
+                </a:solidFill>
+                <a:latin typeface="+mj-lt"/>
+                <a:ea typeface="+mj-ea"/>
+                <a:cs typeface="+mj-cs"/>
+              </a:defRPr>
+            </a:lvl1pPr>
+          </a:lstStyle>
+          <a:p>
+            <a:pPr algn="l" fontAlgn="auto">
+              <a:spcAft>
+                <a:spcPts val="0"/>
+              </a:spcAft>
+              <a:defRPr/>
+            </a:pPr>
+            <a:r>
+              <a:rPr lang="fr-FR" sz="900" b="1" dirty="0" smtClean="0">
+                <a:solidFill>
+                  <a:schemeClr val="bg1">
+                    <a:lumMod val="85000"/>
+                  </a:schemeClr>
+                </a:solidFill>
+              </a:rPr>
+              <a:t>Préparé par </a:t>
+            </a:r>
+          </a:p>
+          <a:p>
+            <a:pPr algn="l" fontAlgn="auto">
+              <a:spcAft>
+                <a:spcPts val="0"/>
+              </a:spcAft>
+              <a:defRPr/>
+            </a:pPr>
+            <a:r>
+              <a:rPr lang="fr-FR" sz="800" dirty="0" err="1" smtClean="0">
+                <a:solidFill>
+                  <a:schemeClr val="bg1">
+                    <a:lumMod val="65000"/>
+                  </a:schemeClr>
+                </a:solidFill>
+              </a:rPr>
+              <a:t>Lansari</a:t>
+            </a:r>
+            <a:r>
+              <a:rPr lang="fr-FR" sz="800" dirty="0" smtClean="0">
+                <a:solidFill>
+                  <a:schemeClr val="bg1">
+                    <a:lumMod val="65000"/>
+                  </a:schemeClr>
+                </a:solidFill>
+              </a:rPr>
+              <a:t> </a:t>
+            </a:r>
+            <a:r>
+              <a:rPr lang="fr-FR" sz="800" dirty="0" err="1" smtClean="0">
+                <a:solidFill>
+                  <a:schemeClr val="bg1">
+                    <a:lumMod val="65000"/>
+                  </a:schemeClr>
+                </a:solidFill>
+              </a:rPr>
+              <a:t>Achraf</a:t>
+            </a:r>
+            <a:endParaRPr lang="fr-FR" sz="800" dirty="0" smtClean="0">
+              <a:solidFill>
+                <a:schemeClr val="bg1">
+                  <a:lumMod val="65000"/>
+                </a:schemeClr>
+              </a:solidFill>
+            </a:endParaRPr>
+          </a:p>
+          <a:p>
+            <a:pPr algn="l" fontAlgn="auto">
+              <a:spcAft>
+                <a:spcPts val="0"/>
+              </a:spcAft>
+              <a:defRPr/>
+            </a:pPr>
+            <a:r>
+              <a:rPr lang="fr-FR" sz="800" dirty="0">
+                <a:solidFill>
+                  <a:schemeClr val="bg1">
+                    <a:lumMod val="65000"/>
+                  </a:schemeClr>
+                </a:solidFill>
+              </a:rPr>
+              <a:t>Master 1 informatique et sciences humaines</a:t>
+            </a:r>
+          </a:p>
+        </p:txBody>
+      </p:sp>
+      <p:pic>
+        <p:nvPicPr>
+          <p:cNvPr id="3078" name="44 Imagen">
+            <a:hlinkClick r:id="" action="ppaction://hlinkshowjump?jump=nextslide"/>
+          </p:cNvPr>
+          <p:cNvPicPr>
+            <a:picLocks noChangeAspect="1"/>
+          </p:cNvPicPr>
+          <p:nvPr/>
+        </p:nvPicPr>
+        <p:blipFill>
+          <a:blip r:embed="rId4" cstate="print">
+            <a:extLst>
+              <a:ext uri="{28A0092B-C50C-407E-A947-70E740481C1C}">
+                <a14:useLocalDpi xmlns:a14="http://schemas.microsoft.com/office/drawing/2010/main" val="0"/>
+              </a:ext>
+            </a:extLst>
+          </a:blip>
+          <a:srcRect/>
+          <a:stretch>
+            <a:fillRect/>
+          </a:stretch>
+        </p:blipFill>
+        <p:spPr bwMode="auto">
+          <a:xfrm>
+            <a:off x="7953375" y="6348413"/>
+            <a:ext cx="363538" cy="363537"/>
+          </a:xfrm>
+          <a:prstGeom prst="rect">
+            <a:avLst/>
+          </a:prstGeom>
+          <a:noFill/>
+          <a:ln>
+            <a:noFill/>
+          </a:ln>
+          <a:extLst>
+            <a:ext uri="{909E8E84-426E-40DD-AFC4-6F175D3DCCD1}">
+              <a14:hiddenFill xmlns:a14="http://schemas.microsoft.com/office/drawing/2010/main">
+                <a:solidFill>
+                  <a:srgbClr val="FFFFFF"/>
+                </a:solidFill>
+              </a14:hiddenFill>
+            </a:ext>
+            <a:ext uri="{91240B29-F687-4F45-9708-019B960494DF}">
+              <a14:hiddenLine xmlns:a14="http://schemas.microsoft.com/office/drawing/2010/main" w="9525">
+                <a:solidFill>
+                  <a:srgbClr val="000000"/>
+                </a:solidFill>
+                <a:miter lim="800000"/>
+                <a:headEnd/>
+                <a:tailEnd/>
+              </a14:hiddenLine>
+            </a:ext>
+          </a:extLst>
+        </p:spPr>
+      </p:pic>
+      <p:pic>
+        <p:nvPicPr>
+          <p:cNvPr id="3079" name="45 Imagen">
+            <a:hlinkClick r:id="" action="ppaction://hlinkshowjump?jump=previousslide"/>
+          </p:cNvPr>
+          <p:cNvPicPr>
+            <a:picLocks noChangeAspect="1"/>
+          </p:cNvPicPr>
+          <p:nvPr/>
+        </p:nvPicPr>
+        <p:blipFill>
+          <a:blip r:embed="rId5" cstate="print">
+            <a:extLst>
+              <a:ext uri="{28A0092B-C50C-407E-A947-70E740481C1C}">
+                <a14:useLocalDpi xmlns:a14="http://schemas.microsoft.com/office/drawing/2010/main" val="0"/>
+              </a:ext>
+            </a:extLst>
+          </a:blip>
+          <a:srcRect/>
+          <a:stretch>
+            <a:fillRect/>
+          </a:stretch>
+        </p:blipFill>
+        <p:spPr bwMode="auto">
+          <a:xfrm>
+            <a:off x="7467600" y="6356350"/>
+            <a:ext cx="363538" cy="363538"/>
+          </a:xfrm>
+          <a:prstGeom prst="rect">
+            <a:avLst/>
+          </a:prstGeom>
+          <a:noFill/>
+          <a:ln>
+            <a:noFill/>
+          </a:ln>
+          <a:extLst>
+            <a:ext uri="{909E8E84-426E-40DD-AFC4-6F175D3DCCD1}">
+              <a14:hiddenFill xmlns:a14="http://schemas.microsoft.com/office/drawing/2010/main">
+                <a:solidFill>
+                  <a:srgbClr val="FFFFFF"/>
+                </a:solidFill>
+              </a14:hiddenFill>
+            </a:ext>
+            <a:ext uri="{91240B29-F687-4F45-9708-019B960494DF}">
+              <a14:hiddenLine xmlns:a14="http://schemas.microsoft.com/office/drawing/2010/main" w="9525">
+                <a:solidFill>
+                  <a:srgbClr val="000000"/>
+                </a:solidFill>
+                <a:miter lim="800000"/>
+                <a:headEnd/>
+                <a:tailEnd/>
+              </a14:hiddenLine>
+            </a:ext>
+          </a:extLst>
+        </p:spPr>
+      </p:pic>
+      <p:sp>
+        <p:nvSpPr>
+          <p:cNvPr id="47" name="46 Recortar rectángulo de esquina del mismo lado"/>
+          <p:cNvSpPr/>
+          <p:nvPr/>
+        </p:nvSpPr>
+        <p:spPr>
+          <a:xfrm>
+            <a:off x="8316913" y="-1588"/>
+            <a:ext cx="431800" cy="433388"/>
+          </a:xfrm>
+          <a:prstGeom prst="snip2SameRect">
+            <a:avLst/>
+          </a:prstGeom>
+          <a:gradFill>
+            <a:gsLst>
+              <a:gs pos="0">
+                <a:srgbClr val="C00000"/>
+              </a:gs>
+              <a:gs pos="80000">
+                <a:srgbClr val="70201E"/>
+              </a:gs>
+              <a:gs pos="100000">
+                <a:schemeClr val="accent2">
+                  <a:shade val="94000"/>
+                  <a:satMod val="135000"/>
+                </a:schemeClr>
+              </a:gs>
+            </a:gsLst>
+          </a:gradFill>
+        </p:spPr>
+        <p:style>
+          <a:lnRef idx="1">
+            <a:schemeClr val="accent2"/>
+          </a:lnRef>
+          <a:fillRef idx="3">
+            <a:schemeClr val="accent2"/>
+          </a:fillRef>
+          <a:effectRef idx="2">
+            <a:schemeClr val="accent2"/>
+          </a:effectRef>
+          <a:fontRef idx="minor">
+            <a:schemeClr val="lt1"/>
+          </a:fontRef>
+        </p:style>
+        <p:txBody>
+          <a:bodyPr anchor="ctr"/>
+          <a:lstStyle/>
+          <a:p>
+            <a:pPr algn="ctr" fontAlgn="auto">
+              <a:spcBef>
+                <a:spcPts val="0"/>
+              </a:spcBef>
+              <a:spcAft>
+                <a:spcPts val="0"/>
+              </a:spcAft>
+              <a:defRPr/>
+            </a:pPr>
+            <a:r>
+              <a:rPr lang="fr-FR" b="1" dirty="0"/>
+              <a:t>1</a:t>
+            </a:r>
+            <a:endParaRPr lang="fr-FR" b="1" dirty="0" smtClean="0"/>
+          </a:p>
+        </p:txBody>
+      </p:sp>
+      <p:pic>
+        <p:nvPicPr>
+          <p:cNvPr id="3081" name="Imagen 5" descr="C:\Users\Design\Documents\Edu\Product Launch\shadown.png"/>
+          <p:cNvPicPr>
+            <a:picLocks noChangeAspect="1" noChangeArrowheads="1"/>
+          </p:cNvPicPr>
+          <p:nvPr/>
+        </p:nvPicPr>
+        <p:blipFill>
+          <a:blip r:embed="rId6" cstate="print">
+            <a:extLst>
+              <a:ext uri="{28A0092B-C50C-407E-A947-70E740481C1C}">
+                <a14:useLocalDpi xmlns:a14="http://schemas.microsoft.com/office/drawing/2010/main" val="0"/>
+              </a:ext>
+            </a:extLst>
+          </a:blip>
+          <a:srcRect/>
+          <a:stretch>
+            <a:fillRect/>
+          </a:stretch>
+        </p:blipFill>
+        <p:spPr bwMode="auto">
+          <a:xfrm>
+            <a:off x="2384425" y="6021388"/>
+            <a:ext cx="762000" cy="982662"/>
+          </a:xfrm>
+          <a:prstGeom prst="rect">
+            <a:avLst/>
+          </a:prstGeom>
+          <a:noFill/>
+          <a:ln>
+            <a:noFill/>
+          </a:ln>
+          <a:extLst>
+            <a:ext uri="{909E8E84-426E-40DD-AFC4-6F175D3DCCD1}">
+              <a14:hiddenFill xmlns:a14="http://schemas.microsoft.com/office/drawing/2010/main">
+                <a:solidFill>
+                  <a:srgbClr val="FFFFFF"/>
+                </a:solidFill>
+              </a14:hiddenFill>
+            </a:ext>
+            <a:ext uri="{91240B29-F687-4F45-9708-019B960494DF}">
+              <a14:hiddenLine xmlns:a14="http://schemas.microsoft.com/office/drawing/2010/main" w="9525">
+                <a:solidFill>
+                  <a:srgbClr val="000000"/>
+                </a:solidFill>
+                <a:miter lim="800000"/>
+                <a:headEnd/>
+                <a:tailEnd/>
+              </a14:hiddenLine>
+            </a:ext>
+          </a:extLst>
+        </p:spPr>
+      </p:pic>
+      <p:pic>
+        <p:nvPicPr>
+          <p:cNvPr id="3082" name="Imagen 5" descr="C:\Users\Design\Documents\Edu\Product Launch\shadown.png"/>
+          <p:cNvPicPr>
+            <a:picLocks noChangeAspect="1" noChangeArrowheads="1"/>
+          </p:cNvPicPr>
+          <p:nvPr/>
+        </p:nvPicPr>
+        <p:blipFill>
+          <a:blip r:embed="rId7" cstate="print">
+            <a:extLst>
+              <a:ext uri="{28A0092B-C50C-407E-A947-70E740481C1C}">
+                <a14:useLocalDpi xmlns:a14="http://schemas.microsoft.com/office/drawing/2010/main" val="0"/>
+              </a:ext>
+            </a:extLst>
+          </a:blip>
+          <a:srcRect/>
+          <a:stretch>
+            <a:fillRect/>
+          </a:stretch>
+        </p:blipFill>
+        <p:spPr bwMode="auto">
+          <a:xfrm>
+            <a:off x="5969000" y="6021388"/>
+            <a:ext cx="763588" cy="982662"/>
+          </a:xfrm>
+          <a:prstGeom prst="rect">
+            <a:avLst/>
+          </a:prstGeom>
+          <a:noFill/>
+          <a:ln>
+            <a:noFill/>
+          </a:ln>
+          <a:extLst>
+            <a:ext uri="{909E8E84-426E-40DD-AFC4-6F175D3DCCD1}">
+              <a14:hiddenFill xmlns:a14="http://schemas.microsoft.com/office/drawing/2010/main">
+                <a:solidFill>
+                  <a:srgbClr val="FFFFFF"/>
+                </a:solidFill>
+              </a14:hiddenFill>
+            </a:ext>
+            <a:ext uri="{91240B29-F687-4F45-9708-019B960494DF}">
+              <a14:hiddenLine xmlns:a14="http://schemas.microsoft.com/office/drawing/2010/main" w="9525">
+                <a:solidFill>
+                  <a:srgbClr val="000000"/>
+                </a:solidFill>
+                <a:miter lim="800000"/>
+                <a:headEnd/>
+                <a:tailEnd/>
+              </a14:hiddenLine>
+            </a:ext>
+          </a:extLst>
+        </p:spPr>
+      </p:pic>
+      <p:sp>
+        <p:nvSpPr>
+          <p:cNvPr id="14" name="1 Título"/>
+          <p:cNvSpPr txBox="1">
+            <a:spLocks/>
+          </p:cNvSpPr>
+          <p:nvPr/>
+        </p:nvSpPr>
+        <p:spPr bwMode="auto">
+          <a:xfrm>
+            <a:off x="-1692696" y="404068"/>
+            <a:ext cx="8085952" cy="1728788"/>
+          </a:xfrm>
+          <a:prstGeom prst="rect">
+            <a:avLst/>
+          </a:prstGeom>
+          <a:noFill/>
+          <a:ln>
+            <a:noFill/>
+          </a:ln>
+          <a:extLst>
+            <a:ext uri="{909E8E84-426E-40DD-AFC4-6F175D3DCCD1}">
+              <a14:hiddenFill xmlns:a14="http://schemas.microsoft.com/office/drawing/2010/main">
+                <a:solidFill>
+                  <a:srgbClr val="FFFFFF"/>
+                </a:solidFill>
+              </a14:hiddenFill>
+            </a:ext>
+            <a:ext uri="{91240B29-F687-4F45-9708-019B960494DF}">
+              <a14:hiddenLine xmlns:a14="http://schemas.microsoft.com/office/drawing/2010/main" w="9525">
+                <a:solidFill>
+                  <a:srgbClr val="000000"/>
+                </a:solidFill>
+                <a:miter lim="800000"/>
+                <a:headEnd/>
+                <a:tailEnd/>
+              </a14:hiddenLine>
+            </a:ext>
+          </a:extLst>
+        </p:spPr>
+        <p:txBody>
+          <a:bodyPr anchor="ctr"/>
+          <a:lstStyle>
+            <a:lvl1pPr>
+              <a:defRPr>
+                <a:solidFill>
+                  <a:schemeClr val="tx1"/>
+                </a:solidFill>
+                <a:latin typeface="Calibri" panose="020F0502020204030204" pitchFamily="34" charset="0"/>
+              </a:defRPr>
+            </a:lvl1pPr>
+            <a:lvl2pPr marL="742950" indent="-285750">
+              <a:defRPr>
+                <a:solidFill>
+                  <a:schemeClr val="tx1"/>
+                </a:solidFill>
+                <a:latin typeface="Calibri" panose="020F0502020204030204" pitchFamily="34" charset="0"/>
+              </a:defRPr>
+            </a:lvl2pPr>
+            <a:lvl3pPr marL="1143000" indent="-228600">
+              <a:defRPr>
+                <a:solidFill>
+                  <a:schemeClr val="tx1"/>
+                </a:solidFill>
+                <a:latin typeface="Calibri" panose="020F0502020204030204" pitchFamily="34" charset="0"/>
+              </a:defRPr>
+            </a:lvl3pPr>
+            <a:lvl4pPr marL="1600200" indent="-228600">
+              <a:defRPr>
+                <a:solidFill>
+                  <a:schemeClr val="tx1"/>
+                </a:solidFill>
+                <a:latin typeface="Calibri" panose="020F0502020204030204" pitchFamily="34" charset="0"/>
+              </a:defRPr>
+            </a:lvl4pPr>
+            <a:lvl5pPr marL="2057400" indent="-228600">
+              <a:defRPr>
+                <a:solidFill>
+                  <a:schemeClr val="tx1"/>
+                </a:solidFill>
+                <a:latin typeface="Calibri" panose="020F0502020204030204" pitchFamily="34" charset="0"/>
+              </a:defRPr>
+            </a:lvl5pPr>
+            <a:lvl6pPr marL="2514600" indent="-228600" fontAlgn="base">
+              <a:spcBef>
+                <a:spcPct val="0"/>
+              </a:spcBef>
+              <a:spcAft>
+                <a:spcPct val="0"/>
+              </a:spcAft>
+              <a:defRPr>
+                <a:solidFill>
+                  <a:schemeClr val="tx1"/>
+                </a:solidFill>
+                <a:latin typeface="Calibri" panose="020F0502020204030204" pitchFamily="34" charset="0"/>
+              </a:defRPr>
+            </a:lvl6pPr>
+            <a:lvl7pPr marL="2971800" indent="-228600" fontAlgn="base">
+              <a:spcBef>
+                <a:spcPct val="0"/>
+              </a:spcBef>
+              <a:spcAft>
+                <a:spcPct val="0"/>
+              </a:spcAft>
+              <a:defRPr>
+                <a:solidFill>
+                  <a:schemeClr val="tx1"/>
+                </a:solidFill>
+                <a:latin typeface="Calibri" panose="020F0502020204030204" pitchFamily="34" charset="0"/>
+              </a:defRPr>
+            </a:lvl7pPr>
+            <a:lvl8pPr marL="3429000" indent="-228600" fontAlgn="base">
+              <a:spcBef>
+                <a:spcPct val="0"/>
+              </a:spcBef>
+              <a:spcAft>
+                <a:spcPct val="0"/>
+              </a:spcAft>
+              <a:defRPr>
+                <a:solidFill>
+                  <a:schemeClr val="tx1"/>
+                </a:solidFill>
+                <a:latin typeface="Calibri" panose="020F0502020204030204" pitchFamily="34" charset="0"/>
+              </a:defRPr>
+            </a:lvl8pPr>
+            <a:lvl9pPr marL="3886200" indent="-228600" fontAlgn="base">
+              <a:spcBef>
+                <a:spcPct val="0"/>
+              </a:spcBef>
+              <a:spcAft>
+                <a:spcPct val="0"/>
+              </a:spcAft>
+              <a:defRPr>
+                <a:solidFill>
+                  <a:schemeClr val="tx1"/>
+                </a:solidFill>
+                <a:latin typeface="Calibri" panose="020F0502020204030204" pitchFamily="34" charset="0"/>
+              </a:defRPr>
+            </a:lvl9pPr>
+          </a:lstStyle>
+          <a:p>
+            <a:pPr marL="342900" indent="-342900" algn="ctr">
+              <a:lnSpc>
+                <a:spcPts val="5763"/>
+              </a:lnSpc>
+              <a:buFontTx/>
+              <a:buChar char="-"/>
+            </a:pPr>
+            <a:r>
+              <a:rPr lang="fr-FR" sz="2400" b="1" dirty="0" smtClean="0">
+                <a:solidFill>
+                  <a:srgbClr val="C00000"/>
+                </a:solidFill>
+              </a:rPr>
+              <a:t>Navigateur Spatio-Temporel :</a:t>
+            </a:r>
+          </a:p>
+          <a:p>
+            <a:pPr algn="ctr">
+              <a:lnSpc>
+                <a:spcPts val="5763"/>
+              </a:lnSpc>
+            </a:pPr>
+            <a:r>
+              <a:rPr lang="fr-FR" sz="2400" b="1" dirty="0" smtClean="0">
+                <a:solidFill>
+                  <a:srgbClr val="C00000"/>
+                </a:solidFill>
+              </a:rPr>
+              <a:t> 		</a:t>
+            </a:r>
+            <a:r>
+              <a:rPr lang="fr-FR" sz="3200" b="1" dirty="0">
+                <a:solidFill>
+                  <a:srgbClr val="404040"/>
+                </a:solidFill>
+              </a:rPr>
+              <a:t>- Entité Spatio-Temporel ?</a:t>
+            </a:r>
+          </a:p>
+        </p:txBody>
+      </p:sp>
+    </p:spTree>
+    <p:extLst>
+      <p:ext uri="{BB962C8B-B14F-4D97-AF65-F5344CB8AC3E}">
+        <p14:creationId xmlns:p14="http://schemas.microsoft.com/office/powerpoint/2010/main" val="1029495516"/>
+      </p:ext>
+    </p:extLst>
+  </p:cSld>
+  <p:clrMapOvr>
+    <a:masterClrMapping/>
+  </p:clrMapOvr>
+  <p:transition spd="slow"/>
+  <p:timing>
+    <p:tnLst>
+      <p:par>
+        <p:cTn id="1" dur="indefinite" restart="never" nodeType="tmRoot">
+          <p:childTnLst>
+            <p:seq concurrent="1" nextAc="seek">
+              <p:cTn id="2" dur="indefinite" nodeType="mainSeq">
+                <p:childTnLst>
+                  <p:par>
+                    <p:cTn id="3" fill="hold" nodeType="clickPar">
+                      <p:stCondLst>
+                        <p:cond delay="indefinite"/>
+                        <p:cond evt="onBegin" delay="0">
+                          <p:tn val="2"/>
+                        </p:cond>
+                      </p:stCondLst>
+                      <p:childTnLst>
+                        <p:par>
+                          <p:cTn id="4" fill="hold" nodeType="afterGroup">
+                            <p:stCondLst>
+                              <p:cond delay="0"/>
+                            </p:stCondLst>
+                            <p:childTnLst>
+                              <p:par>
+                                <p:cTn id="5" presetID="10" presetClass="entr" presetSubtype="0" fill="hold" grpId="0" nodeType="afterEffect">
+                                  <p:stCondLst>
+                                    <p:cond delay="0"/>
+                                  </p:stCondLst>
+                                  <p:childTnLst>
+                                    <p:set>
+                                      <p:cBhvr>
+                                        <p:cTn id="6" dur="1" fill="hold">
+                                          <p:stCondLst>
+                                            <p:cond delay="0"/>
+                                          </p:stCondLst>
+                                        </p:cTn>
+                                        <p:tgtEl>
+                                          <p:spTgt spid="24"/>
+                                        </p:tgtEl>
+                                        <p:attrNameLst>
+                                          <p:attrName>style.visibility</p:attrName>
+                                        </p:attrNameLst>
+                                      </p:cBhvr>
+                                      <p:to>
+                                        <p:strVal val="visible"/>
+                                      </p:to>
+                                    </p:set>
+                                    <p:animEffect transition="in" filter="fade">
+                                      <p:cBhvr>
+                                        <p:cTn id="7" dur="500"/>
+                                        <p:tgtEl>
+                                          <p:spTgt spid="24"/>
+                                        </p:tgtEl>
+                                      </p:cBhvr>
+                                    </p:animEffect>
+                                  </p:childTnLst>
+                                </p:cTn>
+                              </p:par>
+                              <p:par>
+                                <p:cTn id="8" presetID="16" presetClass="entr" presetSubtype="21" fill="hold" grpId="0" nodeType="withEffect">
+                                  <p:stCondLst>
+                                    <p:cond delay="0"/>
+                                  </p:stCondLst>
+                                  <p:childTnLst>
+                                    <p:set>
+                                      <p:cBhvr>
+                                        <p:cTn id="9" dur="1" fill="hold">
+                                          <p:stCondLst>
+                                            <p:cond delay="0"/>
+                                          </p:stCondLst>
+                                        </p:cTn>
+                                        <p:tgtEl>
+                                          <p:spTgt spid="14"/>
+                                        </p:tgtEl>
+                                        <p:attrNameLst>
+                                          <p:attrName>style.visibility</p:attrName>
+                                        </p:attrNameLst>
+                                      </p:cBhvr>
+                                      <p:to>
+                                        <p:strVal val="visible"/>
+                                      </p:to>
+                                    </p:set>
+                                    <p:animEffect transition="in" filter="barn(inVertical)">
+                                      <p:cBhvr>
+                                        <p:cTn id="10" dur="500"/>
+                                        <p:tgtEl>
+                                          <p:spTgt spid="14"/>
+                                        </p:tgtEl>
+                                      </p:cBhvr>
+                                    </p:animEffect>
+                                  </p:childTnLst>
+                                </p:cTn>
+                              </p:par>
+                            </p:childTnLst>
+                          </p:cTn>
+                        </p:par>
+                      </p:childTnLst>
+                    </p:cTn>
+                  </p:par>
+                </p:childTnLst>
+              </p:cTn>
+              <p:prevCondLst>
+                <p:cond evt="onPrev" delay="0">
+                  <p:tgtEl>
+                    <p:sldTgt/>
+                  </p:tgtEl>
+                </p:cond>
+              </p:prevCondLst>
+              <p:nextCondLst>
+                <p:cond evt="onNext" delay="0">
+                  <p:tgtEl>
+                    <p:sldTgt/>
+                  </p:tgtEl>
+                </p:cond>
+              </p:nextCondLst>
+            </p:seq>
+          </p:childTnLst>
+        </p:cTn>
+      </p:par>
+    </p:tnLst>
+    <p:bldLst>
+      <p:bldP spid="24" grpId="0"/>
+      <p:bldP spid="14" grpId="0"/>
+    </p:bldLst>
+  </p:timing>
+</p:sld>
+</file>
+
+<file path=ppt/slides/slide4.xml><?xml version="1.0" encoding="utf-8"?>
 <p:sld xmlns:a="http://schemas.openxmlformats.org/drawingml/2006/main" xmlns:r="http://schemas.openxmlformats.org/officeDocument/2006/relationships" xmlns:p="http://schemas.openxmlformats.org/presentationml/2006/main">
   <p:cSld>
     <p:bg>
@@ -9130,7 +10586,7 @@
   <a:extraClrSchemeLst/>
   <a:extLst>
     <a:ext uri="{05A4C25C-085E-4340-85A3-A5531E510DB2}">
-      <thm15:themeFamily xmlns="" xmlns:thm15="http://schemas.microsoft.com/office/thememl/2012/main" name="Office Theme" id="{62F939B6-93AF-4DB8-9C6B-D6C7DFDC589F}" vid="{4A3C46E8-61CC-4603-A589-7422A47A8E4A}"/>
+      <thm15:themeFamily xmlns:thm15="http://schemas.microsoft.com/office/thememl/2012/main" xmlns="" name="Office Theme" id="{62F939B6-93AF-4DB8-9C6B-D6C7DFDC589F}" vid="{4A3C46E8-61CC-4603-A589-7422A47A8E4A}"/>
     </a:ext>
   </a:extLst>
 </a:theme>

--- a/Présentation.pptx
+++ b/Présentation.pptx
@@ -141,7 +141,7 @@
   </p:defaultTextStyle>
   <p:extLst>
     <p:ext uri="{EFAFB233-063F-42B5-8137-9DF3F51BA10A}">
-      <p15:sldGuideLst xmlns="" xmlns:p15="http://schemas.microsoft.com/office/powerpoint/2012/main">
+      <p15:sldGuideLst xmlns:p15="http://schemas.microsoft.com/office/powerpoint/2012/main" xmlns="">
         <p15:guide id="1" orient="horz" pos="2160">
           <p15:clr>
             <a:srgbClr val="A4A3A4"/>
@@ -241,7 +241,7 @@
             <a:fld id="{A1DBB866-D960-4B86-94D0-7B10EA9F3109}" type="datetimeFigureOut">
               <a:rPr lang="fr-FR"/>
               <a:pPr/>
-              <a:t>04/11/2014</a:t>
+              <a:t>05/11/2014</a:t>
             </a:fld>
             <a:endParaRPr lang="fr-FR"/>
           </a:p>
@@ -400,7 +400,7 @@
             <a:fld id="{FD7A2744-27CE-45BB-9B7B-362B7049820F}" type="slidenum">
               <a:rPr lang="fr-FR"/>
               <a:pPr/>
-              <a:t>‹N°›</a:t>
+              <a:t>‹#›</a:t>
             </a:fld>
             <a:endParaRPr lang="fr-FR"/>
           </a:p>
@@ -553,7 +553,7 @@
           <a:bodyPr/>
           <a:lstStyle/>
           <a:p>
-            <a:endParaRPr lang="fr-FR"/>
+            <a:endParaRPr lang="fr-FR" dirty="0"/>
           </a:p>
         </p:txBody>
       </p:sp>
@@ -723,7 +723,11 @@
           <a:bodyPr/>
           <a:lstStyle/>
           <a:p>
-            <a:endParaRPr lang="fr-FR"/>
+            <a:r>
+              <a:rPr lang="fr-FR" dirty="0" err="1" smtClean="0"/>
+              <a:t>hhhhhhhhhhhhhhhhhhhhhhhhhhhhhhh</a:t>
+            </a:r>
+            <a:endParaRPr lang="fr-FR" dirty="0"/>
           </a:p>
         </p:txBody>
       </p:sp>
@@ -950,7 +954,7 @@
             <a:fld id="{8B59745F-C2B6-4305-8635-6DFB54497992}" type="datetimeFigureOut">
               <a:rPr lang="es-ES"/>
               <a:pPr/>
-              <a:t>04/11/2014</a:t>
+              <a:t>05/11/2014</a:t>
             </a:fld>
             <a:endParaRPr lang="es-ES"/>
           </a:p>
@@ -1001,7 +1005,7 @@
             <a:fld id="{EF3D6137-40BC-4331-A891-0EA47F96A7F5}" type="slidenum">
               <a:rPr lang="es-ES"/>
               <a:pPr/>
-              <a:t>‹N°›</a:t>
+              <a:t>‹#›</a:t>
             </a:fld>
             <a:endParaRPr lang="es-ES"/>
           </a:p>
@@ -1134,7 +1138,7 @@
             <a:fld id="{6B9190A7-C0D9-4B4B-84D1-EB06A5EAE098}" type="datetimeFigureOut">
               <a:rPr lang="es-ES"/>
               <a:pPr/>
-              <a:t>04/11/2014</a:t>
+              <a:t>05/11/2014</a:t>
             </a:fld>
             <a:endParaRPr lang="es-ES"/>
           </a:p>
@@ -1185,7 +1189,7 @@
             <a:fld id="{96005E43-3492-4691-ABFA-071B0DA2B737}" type="slidenum">
               <a:rPr lang="es-ES"/>
               <a:pPr/>
-              <a:t>‹N°›</a:t>
+              <a:t>‹#›</a:t>
             </a:fld>
             <a:endParaRPr lang="es-ES"/>
           </a:p>
@@ -1328,7 +1332,7 @@
             <a:fld id="{CFA140CF-F941-44B5-B991-810727DA747D}" type="datetimeFigureOut">
               <a:rPr lang="es-ES"/>
               <a:pPr/>
-              <a:t>04/11/2014</a:t>
+              <a:t>05/11/2014</a:t>
             </a:fld>
             <a:endParaRPr lang="es-ES"/>
           </a:p>
@@ -1379,7 +1383,7 @@
             <a:fld id="{6D2451D2-3F4B-46A5-9A63-794D8011AE27}" type="slidenum">
               <a:rPr lang="es-ES"/>
               <a:pPr/>
-              <a:t>‹N°›</a:t>
+              <a:t>‹#›</a:t>
             </a:fld>
             <a:endParaRPr lang="es-ES"/>
           </a:p>
@@ -1512,7 +1516,7 @@
             <a:fld id="{28AAE0B8-76EF-4E1F-AC7F-CA1F13F1F2C4}" type="datetimeFigureOut">
               <a:rPr lang="es-ES"/>
               <a:pPr/>
-              <a:t>04/11/2014</a:t>
+              <a:t>05/11/2014</a:t>
             </a:fld>
             <a:endParaRPr lang="es-ES"/>
           </a:p>
@@ -1563,7 +1567,7 @@
             <a:fld id="{37E61B94-25A9-46B2-8D46-598DA057B0F1}" type="slidenum">
               <a:rPr lang="es-ES"/>
               <a:pPr/>
-              <a:t>‹N°›</a:t>
+              <a:t>‹#›</a:t>
             </a:fld>
             <a:endParaRPr lang="es-ES"/>
           </a:p>
@@ -1772,7 +1776,7 @@
             <a:fld id="{DF730186-0710-45ED-9144-6C20FCE35814}" type="datetimeFigureOut">
               <a:rPr lang="es-ES"/>
               <a:pPr/>
-              <a:t>04/11/2014</a:t>
+              <a:t>05/11/2014</a:t>
             </a:fld>
             <a:endParaRPr lang="es-ES"/>
           </a:p>
@@ -1823,7 +1827,7 @@
             <a:fld id="{B0B80477-E8F2-451F-A3D5-031B04E99474}" type="slidenum">
               <a:rPr lang="es-ES"/>
               <a:pPr/>
-              <a:t>‹N°›</a:t>
+              <a:t>‹#›</a:t>
             </a:fld>
             <a:endParaRPr lang="es-ES"/>
           </a:p>
@@ -2074,7 +2078,7 @@
             <a:fld id="{3B1F7827-6359-4E33-B73B-CFB2B3374D8C}" type="datetimeFigureOut">
               <a:rPr lang="es-ES"/>
               <a:pPr/>
-              <a:t>04/11/2014</a:t>
+              <a:t>05/11/2014</a:t>
             </a:fld>
             <a:endParaRPr lang="es-ES"/>
           </a:p>
@@ -2125,7 +2129,7 @@
             <a:fld id="{E98FB9F2-1E67-4D49-8EDB-976A27ADAC8A}" type="slidenum">
               <a:rPr lang="es-ES"/>
               <a:pPr/>
-              <a:t>‹N°›</a:t>
+              <a:t>‹#›</a:t>
             </a:fld>
             <a:endParaRPr lang="es-ES"/>
           </a:p>
@@ -2510,7 +2514,7 @@
             <a:fld id="{DFB9A628-EE5D-4C37-AB1D-5C2376C375CA}" type="datetimeFigureOut">
               <a:rPr lang="es-ES"/>
               <a:pPr/>
-              <a:t>04/11/2014</a:t>
+              <a:t>05/11/2014</a:t>
             </a:fld>
             <a:endParaRPr lang="es-ES"/>
           </a:p>
@@ -2561,7 +2565,7 @@
             <a:fld id="{DDB33986-8ADC-4254-B9FA-27B1061AA606}" type="slidenum">
               <a:rPr lang="es-ES"/>
               <a:pPr/>
-              <a:t>‹N°›</a:t>
+              <a:t>‹#›</a:t>
             </a:fld>
             <a:endParaRPr lang="es-ES"/>
           </a:p>
@@ -2642,7 +2646,7 @@
             <a:fld id="{94F2B5D0-6327-4362-B6DF-543662FA5A2E}" type="datetimeFigureOut">
               <a:rPr lang="es-ES"/>
               <a:pPr/>
-              <a:t>04/11/2014</a:t>
+              <a:t>05/11/2014</a:t>
             </a:fld>
             <a:endParaRPr lang="es-ES"/>
           </a:p>
@@ -2693,7 +2697,7 @@
             <a:fld id="{7684969C-D737-465E-9EDE-AAF48E26270B}" type="slidenum">
               <a:rPr lang="es-ES"/>
               <a:pPr/>
-              <a:t>‹N°›</a:t>
+              <a:t>‹#›</a:t>
             </a:fld>
             <a:endParaRPr lang="es-ES"/>
           </a:p>
@@ -2751,7 +2755,7 @@
             <a:fld id="{16391EF4-FEAC-493D-8DA1-BB0843776B37}" type="datetimeFigureOut">
               <a:rPr lang="es-ES"/>
               <a:pPr/>
-              <a:t>04/11/2014</a:t>
+              <a:t>05/11/2014</a:t>
             </a:fld>
             <a:endParaRPr lang="es-ES"/>
           </a:p>
@@ -2802,7 +2806,7 @@
             <a:fld id="{EA570EA7-8835-4241-BA37-2D1B89844A6B}" type="slidenum">
               <a:rPr lang="es-ES"/>
               <a:pPr/>
-              <a:t>‹N°›</a:t>
+              <a:t>‹#›</a:t>
             </a:fld>
             <a:endParaRPr lang="es-ES"/>
           </a:p>
@@ -3042,7 +3046,7 @@
             <a:fld id="{73ADC5DD-B7B5-47CB-A370-A5A35A2AC0A8}" type="datetimeFigureOut">
               <a:rPr lang="es-ES"/>
               <a:pPr/>
-              <a:t>04/11/2014</a:t>
+              <a:t>05/11/2014</a:t>
             </a:fld>
             <a:endParaRPr lang="es-ES"/>
           </a:p>
@@ -3093,7 +3097,7 @@
             <a:fld id="{029E9788-FE41-4209-814A-EA972975C24C}" type="slidenum">
               <a:rPr lang="es-ES"/>
               <a:pPr/>
-              <a:t>‹N°›</a:t>
+              <a:t>‹#›</a:t>
             </a:fld>
             <a:endParaRPr lang="es-ES"/>
           </a:p>
@@ -3312,7 +3316,7 @@
             <a:fld id="{7BD0ED19-F578-4780-BC88-58D8AEBD3A7E}" type="datetimeFigureOut">
               <a:rPr lang="es-ES"/>
               <a:pPr/>
-              <a:t>04/11/2014</a:t>
+              <a:t>05/11/2014</a:t>
             </a:fld>
             <a:endParaRPr lang="es-ES"/>
           </a:p>
@@ -3363,7 +3367,7 @@
             <a:fld id="{A509EF57-9CD9-4370-B5EB-6A18B39C5EEE}" type="slidenum">
               <a:rPr lang="es-ES"/>
               <a:pPr/>
-              <a:t>‹N°›</a:t>
+              <a:t>‹#›</a:t>
             </a:fld>
             <a:endParaRPr lang="es-ES"/>
           </a:p>
@@ -3587,7 +3591,7 @@
             <a:fld id="{FAA8247E-6F16-43C4-A0C6-798871976F1F}" type="datetimeFigureOut">
               <a:rPr lang="es-ES"/>
               <a:pPr/>
-              <a:t>04/11/2014</a:t>
+              <a:t>05/11/2014</a:t>
             </a:fld>
             <a:endParaRPr lang="es-ES"/>
           </a:p>
@@ -3672,7 +3676,7 @@
             <a:fld id="{E8F685FF-C9DC-4822-AAD5-FFDDCD505734}" type="slidenum">
               <a:rPr lang="es-ES"/>
               <a:pPr/>
-              <a:t>‹N°›</a:t>
+              <a:t>‹#›</a:t>
             </a:fld>
             <a:endParaRPr lang="es-ES"/>
           </a:p>
@@ -4288,15 +4292,7 @@
                   <a:srgbClr val="7F7F7F"/>
                 </a:solidFill>
               </a:rPr>
-              <a:t>Cette présentation  consiste  a  </a:t>
-            </a:r>
-            <a:r>
-              <a:rPr lang="fr-FR" sz="1400" b="1" dirty="0" smtClean="0">
-                <a:solidFill>
-                  <a:srgbClr val="7F7F7F"/>
-                </a:solidFill>
-              </a:rPr>
-              <a:t>présenter un projet qui consiste a 	réaliser un navigateur  spatio-temporel </a:t>
+              <a:t>Cette présentation  consiste  a  présenter un projet qui consiste a 	réaliser un navigateur  spatio-temporel </a:t>
             </a:r>
             <a:endParaRPr lang="fr-FR" sz="1400" dirty="0">
               <a:solidFill>
@@ -9130,7 +9126,7 @@
   <a:extraClrSchemeLst/>
   <a:extLst>
     <a:ext uri="{05A4C25C-085E-4340-85A3-A5531E510DB2}">
-      <thm15:themeFamily xmlns="" xmlns:thm15="http://schemas.microsoft.com/office/thememl/2012/main" name="Office Theme" id="{62F939B6-93AF-4DB8-9C6B-D6C7DFDC589F}" vid="{4A3C46E8-61CC-4603-A589-7422A47A8E4A}"/>
+      <thm15:themeFamily xmlns:thm15="http://schemas.microsoft.com/office/thememl/2012/main" xmlns="" name="Office Theme" id="{62F939B6-93AF-4DB8-9C6B-D6C7DFDC589F}" vid="{4A3C46E8-61CC-4603-A589-7422A47A8E4A}"/>
     </a:ext>
   </a:extLst>
 </a:theme>
